--- a/Modul3/FY16Q2 Azure Kosten & Sicherheit (IT Camp Hybrid IT).pptx
+++ b/Modul3/FY16Q2 Azure Kosten & Sicherheit (IT Camp Hybrid IT).pptx
@@ -5,10 +5,10 @@
     <p:sldMasterId id="2147483746" r:id="rId6"/>
   </p:sldMasterIdLst>
   <p:notesMasterIdLst>
-    <p:notesMasterId r:id="rId17"/>
+    <p:notesMasterId r:id="rId16"/>
   </p:notesMasterIdLst>
   <p:handoutMasterIdLst>
-    <p:handoutMasterId r:id="rId18"/>
+    <p:handoutMasterId r:id="rId17"/>
   </p:handoutMasterIdLst>
   <p:sldIdLst>
     <p:sldId id="409" r:id="rId7"/>
@@ -19,8 +19,7 @@
     <p:sldId id="540" r:id="rId12"/>
     <p:sldId id="541" r:id="rId13"/>
     <p:sldId id="542" r:id="rId14"/>
-    <p:sldId id="535" r:id="rId15"/>
-    <p:sldId id="527" r:id="rId16"/>
+    <p:sldId id="527" r:id="rId15"/>
   </p:sldIdLst>
   <p:sldSz cx="12436475" cy="6994525"/>
   <p:notesSz cx="6858000" cy="9144000"/>
@@ -136,7 +135,6 @@
             <p14:sldId id="540"/>
             <p14:sldId id="541"/>
             <p14:sldId id="542"/>
-            <p14:sldId id="535"/>
           </p14:sldIdLst>
         </p14:section>
         <p14:section name="Outro" id="{E8BBA2FB-63B4-4B05-9595-8BFF66D9584D}">
@@ -745,14 +743,14 @@
           </a:ln>
           <a:extLst>
             <a:ext uri="{909E8E84-426E-40dd-AFC4-6F175D3DCCD1}">
-              <a14:hiddenFill xmlns="" xmlns:a14="http://schemas.microsoft.com/office/drawing/2010/main">
+              <a14:hiddenFill xmlns:a14="http://schemas.microsoft.com/office/drawing/2010/main" xmlns="">
                 <a:solidFill>
                   <a:srgbClr val="FFFFFF"/>
                 </a:solidFill>
               </a14:hiddenFill>
             </a:ext>
             <a:ext uri="{FAA26D3D-D897-4be2-8F04-BA451C77F1D7}">
-              <ma14:placeholderFlag xmlns="" xmlns:ma14="http://schemas.microsoft.com/office/mac/drawingml/2011/main" val="1"/>
+              <ma14:placeholderFlag xmlns:ma14="http://schemas.microsoft.com/office/mac/drawingml/2011/main" xmlns="" val="1"/>
             </a:ext>
           </a:extLst>
         </p:spPr>
@@ -1301,8 +1299,74 @@
           <a:p>
             <a:r>
               <a:rPr lang="de-DE" dirty="0" smtClean="0"/>
-              <a:t>http://azure.microsoft.com/de-de/offers/ms-azr-0063p</a:t>
+              <a:t>Ein Test Lab,</a:t>
             </a:r>
+            <a:r>
+              <a:rPr lang="de-DE" baseline="0" dirty="0" smtClean="0"/>
+              <a:t> das folgende Vorteile bietet:</a:t>
+            </a:r>
+          </a:p>
+          <a:p>
+            <a:pPr marL="285750" indent="-285750">
+              <a:buFont typeface="Arial" panose="020B0604020202020204" pitchFamily="34" charset="0"/>
+              <a:buChar char="•"/>
+            </a:pPr>
+            <a:r>
+              <a:rPr lang="de-DE" baseline="0" dirty="0" smtClean="0"/>
+              <a:t>Kann jederzeit erstellt, eingeschaltet und ausgeschaltet werden.</a:t>
+            </a:r>
+          </a:p>
+          <a:p>
+            <a:pPr marL="285750" indent="-285750">
+              <a:buFont typeface="Arial" panose="020B0604020202020204" pitchFamily="34" charset="0"/>
+              <a:buChar char="•"/>
+            </a:pPr>
+            <a:r>
+              <a:rPr lang="de-DE" baseline="0" dirty="0" smtClean="0"/>
+              <a:t>Kann beliebig erweitert und reduziert werden.</a:t>
+            </a:r>
+          </a:p>
+          <a:p>
+            <a:pPr marL="285750" indent="-285750">
+              <a:buFont typeface="Arial" panose="020B0604020202020204" pitchFamily="34" charset="0"/>
+              <a:buChar char="•"/>
+            </a:pPr>
+            <a:r>
+              <a:rPr lang="de-DE" baseline="0" dirty="0" smtClean="0"/>
+              <a:t>Ein ausgeschaltetes Test Lab kostet dann nur noch Speicherkosten.</a:t>
+            </a:r>
+            <a:endParaRPr lang="de-DE" dirty="0" smtClean="0"/>
+          </a:p>
+          <a:p>
+            <a:endParaRPr lang="de-DE" dirty="0" smtClean="0"/>
+          </a:p>
+          <a:p>
+            <a:r>
+              <a:rPr lang="de-DE" dirty="0" smtClean="0"/>
+              <a:t>http</a:t>
+            </a:r>
+            <a:r>
+              <a:rPr lang="de-DE" dirty="0" smtClean="0"/>
+              <a:t>://</a:t>
+            </a:r>
+            <a:r>
+              <a:rPr lang="de-DE" dirty="0" smtClean="0"/>
+              <a:t>azure.microsoft.com/de-de/offers/ms-azr-0063p</a:t>
+            </a:r>
+          </a:p>
+          <a:p>
+            <a:endParaRPr lang="de-DE" dirty="0" smtClean="0"/>
+          </a:p>
+          <a:p>
+            <a:r>
+              <a:rPr lang="de-DE" dirty="0" smtClean="0"/>
+              <a:t>Ohne Gewähr. Berechnungen wurden</a:t>
+            </a:r>
+            <a:r>
+              <a:rPr lang="de-DE" baseline="0" dirty="0" smtClean="0"/>
+              <a:t> nach besten Wissen erstellt, dennoch können Fehler nicht ausgeschlossen werden.</a:t>
+            </a:r>
+            <a:endParaRPr lang="de-DE" dirty="0" smtClean="0"/>
           </a:p>
         </p:txBody>
       </p:sp>
@@ -1388,11 +1452,55 @@
           <a:p>
             <a:r>
               <a:rPr lang="de-DE" dirty="0" smtClean="0"/>
+              <a:t>Eine Webseite für hohe Anforderungen:</a:t>
+            </a:r>
+          </a:p>
+          <a:p>
+            <a:pPr marL="285750" indent="-285750">
+              <a:buFont typeface="Arial" panose="020B0604020202020204" pitchFamily="34" charset="0"/>
+              <a:buChar char="•"/>
+            </a:pPr>
+            <a:r>
+              <a:rPr lang="de-DE" dirty="0" smtClean="0"/>
+              <a:t>In der Hauptzeit 10 Maschinen,</a:t>
+            </a:r>
+            <a:r>
+              <a:rPr lang="de-DE" baseline="0" dirty="0" smtClean="0"/>
+              <a:t> in der Nebenzeit nur 3 Maschinen.</a:t>
+            </a:r>
+          </a:p>
+          <a:p>
+            <a:pPr marL="285750" indent="-285750">
+              <a:buFont typeface="Arial" panose="020B0604020202020204" pitchFamily="34" charset="0"/>
+              <a:buChar char="•"/>
+            </a:pPr>
+            <a:r>
+              <a:rPr lang="de-DE" baseline="0" dirty="0" smtClean="0"/>
+              <a:t>SSL-Kosten sind inklusive. (Zertifikate müssen separat erworben/bereitgestellt werden.)</a:t>
+            </a:r>
+          </a:p>
+          <a:p>
+            <a:pPr marL="285750" indent="-285750">
+              <a:buFont typeface="Arial" panose="020B0604020202020204" pitchFamily="34" charset="0"/>
+              <a:buChar char="•"/>
+            </a:pPr>
+            <a:endParaRPr lang="de-DE" dirty="0" smtClean="0"/>
+          </a:p>
+          <a:p>
+            <a:endParaRPr lang="de-DE" dirty="0" smtClean="0"/>
+          </a:p>
+          <a:p>
+            <a:r>
+              <a:rPr lang="de-DE" dirty="0" smtClean="0"/>
               <a:t>PAYG</a:t>
             </a:r>
             <a:r>
               <a:rPr lang="de-DE" baseline="0" dirty="0" smtClean="0"/>
-              <a:t> = Pay-</a:t>
+              <a:t> </a:t>
+            </a:r>
+            <a:r>
+              <a:rPr lang="de-DE" baseline="0" dirty="0" smtClean="0"/>
+              <a:t>= Pay-</a:t>
             </a:r>
             <a:r>
               <a:rPr lang="de-DE" baseline="0" dirty="0" err="1" smtClean="0"/>
@@ -1408,7 +1516,41 @@
             </a:r>
             <a:r>
               <a:rPr lang="de-DE" baseline="0" dirty="0" smtClean="0"/>
-              <a:t>, Verbrauchstarif</a:t>
+              <a:t>, </a:t>
+            </a:r>
+            <a:r>
+              <a:rPr lang="de-DE" baseline="0" dirty="0" smtClean="0"/>
+              <a:t>Verbrauchstarif</a:t>
+            </a:r>
+          </a:p>
+          <a:p>
+            <a:endParaRPr lang="de-DE" baseline="0" dirty="0" smtClean="0"/>
+          </a:p>
+          <a:p>
+            <a:pPr marL="0" marR="0" indent="0" algn="l" defTabSz="932425" rtl="0" eaLnBrk="1" fontAlgn="auto" latinLnBrk="0" hangingPunct="1">
+              <a:lnSpc>
+                <a:spcPct val="100000"/>
+              </a:lnSpc>
+              <a:spcBef>
+                <a:spcPts val="0"/>
+              </a:spcBef>
+              <a:spcAft>
+                <a:spcPts val="0"/>
+              </a:spcAft>
+              <a:buClrTx/>
+              <a:buSzTx/>
+              <a:buFontTx/>
+              <a:buNone/>
+              <a:tabLst/>
+              <a:defRPr/>
+            </a:pPr>
+            <a:r>
+              <a:rPr lang="de-DE" dirty="0" smtClean="0"/>
+              <a:t>Ohne Gewähr. Berechnungen wurden</a:t>
+            </a:r>
+            <a:r>
+              <a:rPr lang="de-DE" baseline="0" dirty="0" smtClean="0"/>
+              <a:t> nach besten Wissen erstellt, dennoch können Fehler nicht ausgeschlossen werden.</a:t>
             </a:r>
             <a:endParaRPr lang="de-DE" dirty="0" smtClean="0"/>
           </a:p>
@@ -1513,11 +1655,211 @@
             </a:pPr>
             <a:r>
               <a:rPr lang="de-DE" dirty="0" smtClean="0"/>
+              <a:t>Eine Backup-Lösung mit folgenden Eigenschaften:</a:t>
+            </a:r>
+          </a:p>
+          <a:p>
+            <a:pPr marL="285750" marR="0" indent="-285750" algn="l" defTabSz="932425" rtl="0" eaLnBrk="1" fontAlgn="auto" latinLnBrk="0" hangingPunct="1">
+              <a:lnSpc>
+                <a:spcPct val="100000"/>
+              </a:lnSpc>
+              <a:spcBef>
+                <a:spcPts val="0"/>
+              </a:spcBef>
+              <a:spcAft>
+                <a:spcPts val="0"/>
+              </a:spcAft>
+              <a:buClrTx/>
+              <a:buSzTx/>
+              <a:buFont typeface="Arial" panose="020B0604020202020204" pitchFamily="34" charset="0"/>
+              <a:buChar char="•"/>
+              <a:tabLst/>
+              <a:defRPr/>
+            </a:pPr>
+            <a:r>
+              <a:rPr lang="de-DE" dirty="0" smtClean="0"/>
+              <a:t>Unternehmen</a:t>
+            </a:r>
+            <a:r>
+              <a:rPr lang="de-DE" baseline="0" dirty="0" smtClean="0"/>
+              <a:t> mit 50 Mitarbeitern, 45 „normale“ Arbeitsplätze und 5 Power-User.</a:t>
+            </a:r>
+          </a:p>
+          <a:p>
+            <a:pPr marL="285750" marR="0" indent="-285750" algn="l" defTabSz="932425" rtl="0" eaLnBrk="1" fontAlgn="auto" latinLnBrk="0" hangingPunct="1">
+              <a:lnSpc>
+                <a:spcPct val="100000"/>
+              </a:lnSpc>
+              <a:spcBef>
+                <a:spcPts val="0"/>
+              </a:spcBef>
+              <a:spcAft>
+                <a:spcPts val="0"/>
+              </a:spcAft>
+              <a:buClrTx/>
+              <a:buSzTx/>
+              <a:buFont typeface="Arial" panose="020B0604020202020204" pitchFamily="34" charset="0"/>
+              <a:buChar char="•"/>
+              <a:tabLst/>
+              <a:defRPr/>
+            </a:pPr>
+            <a:r>
+              <a:rPr lang="de-DE" baseline="0" dirty="0" smtClean="0"/>
+              <a:t>Sicherung eines zusätzlichen File Servers mit 2 TB Daten.</a:t>
+            </a:r>
+          </a:p>
+          <a:p>
+            <a:pPr marL="285750" marR="0" indent="-285750" algn="l" defTabSz="932425" rtl="0" eaLnBrk="1" fontAlgn="auto" latinLnBrk="0" hangingPunct="1">
+              <a:lnSpc>
+                <a:spcPct val="100000"/>
+              </a:lnSpc>
+              <a:spcBef>
+                <a:spcPts val="0"/>
+              </a:spcBef>
+              <a:spcAft>
+                <a:spcPts val="0"/>
+              </a:spcAft>
+              <a:buClrTx/>
+              <a:buSzTx/>
+              <a:buFont typeface="Arial" panose="020B0604020202020204" pitchFamily="34" charset="0"/>
+              <a:buChar char="•"/>
+              <a:tabLst/>
+              <a:defRPr/>
+            </a:pPr>
+            <a:r>
+              <a:rPr lang="de-DE" baseline="0" dirty="0" err="1" smtClean="0"/>
+              <a:t>Offsite</a:t>
+            </a:r>
+            <a:r>
+              <a:rPr lang="de-DE" baseline="0" dirty="0" smtClean="0"/>
+              <a:t>-Backup. Nutzerdaten mit lokaler Redundanz, Dateiserver-Daten mit Geo-Redundanz.</a:t>
+            </a:r>
+            <a:endParaRPr lang="de-DE" dirty="0" smtClean="0"/>
+          </a:p>
+          <a:p>
+            <a:pPr marL="0" marR="0" indent="0" algn="l" defTabSz="932425" rtl="0" eaLnBrk="1" fontAlgn="auto" latinLnBrk="0" hangingPunct="1">
+              <a:lnSpc>
+                <a:spcPct val="100000"/>
+              </a:lnSpc>
+              <a:spcBef>
+                <a:spcPts val="0"/>
+              </a:spcBef>
+              <a:spcAft>
+                <a:spcPts val="0"/>
+              </a:spcAft>
+              <a:buClrTx/>
+              <a:buSzTx/>
+              <a:buFontTx/>
+              <a:buNone/>
+              <a:tabLst/>
+              <a:defRPr/>
+            </a:pPr>
+            <a:endParaRPr lang="de-DE" dirty="0" smtClean="0"/>
+          </a:p>
+          <a:p>
+            <a:pPr marL="0" marR="0" indent="0" algn="l" defTabSz="932425" rtl="0" eaLnBrk="1" fontAlgn="auto" latinLnBrk="0" hangingPunct="1">
+              <a:lnSpc>
+                <a:spcPct val="100000"/>
+              </a:lnSpc>
+              <a:spcBef>
+                <a:spcPts val="0"/>
+              </a:spcBef>
+              <a:spcAft>
+                <a:spcPts val="0"/>
+              </a:spcAft>
+              <a:buClrTx/>
+              <a:buSzTx/>
+              <a:buFontTx/>
+              <a:buNone/>
+              <a:tabLst/>
+              <a:defRPr/>
+            </a:pPr>
+            <a:r>
+              <a:rPr lang="de-DE" dirty="0" smtClean="0"/>
+              <a:t>Initialer Transfer</a:t>
+            </a:r>
+            <a:r>
+              <a:rPr lang="de-DE" baseline="0" dirty="0" smtClean="0"/>
+              <a:t> wäre auch über Import-/Export-Service möglich:</a:t>
+            </a:r>
+          </a:p>
+          <a:p>
+            <a:pPr marL="0" marR="0" indent="0" algn="l" defTabSz="932425" rtl="0" eaLnBrk="1" fontAlgn="auto" latinLnBrk="0" hangingPunct="1">
+              <a:lnSpc>
+                <a:spcPct val="100000"/>
+              </a:lnSpc>
+              <a:spcBef>
+                <a:spcPts val="0"/>
+              </a:spcBef>
+              <a:spcAft>
+                <a:spcPts val="0"/>
+              </a:spcAft>
+              <a:buClrTx/>
+              <a:buSzTx/>
+              <a:buFontTx/>
+              <a:buNone/>
+              <a:tabLst/>
+              <a:defRPr/>
+            </a:pPr>
+            <a:r>
+              <a:rPr lang="de-DE" dirty="0" smtClean="0"/>
+              <a:t>€67,47 / HD + Porto (aktuelles Limit 6 TB /</a:t>
+            </a:r>
+            <a:r>
+              <a:rPr lang="de-DE" baseline="0" dirty="0" smtClean="0"/>
+              <a:t> HD)</a:t>
+            </a:r>
+            <a:endParaRPr lang="de-DE" dirty="0" smtClean="0"/>
+          </a:p>
+          <a:p>
+            <a:pPr marL="0" marR="0" indent="0" algn="l" defTabSz="932425" rtl="0" eaLnBrk="1" fontAlgn="auto" latinLnBrk="0" hangingPunct="1">
+              <a:lnSpc>
+                <a:spcPct val="100000"/>
+              </a:lnSpc>
+              <a:spcBef>
+                <a:spcPts val="0"/>
+              </a:spcBef>
+              <a:spcAft>
+                <a:spcPts val="0"/>
+              </a:spcAft>
+              <a:buClrTx/>
+              <a:buSzTx/>
+              <a:buFontTx/>
+              <a:buNone/>
+              <a:tabLst/>
+              <a:defRPr/>
+            </a:pPr>
+            <a:endParaRPr lang="de-DE" dirty="0" smtClean="0"/>
+          </a:p>
+          <a:p>
+            <a:pPr marL="0" marR="0" indent="0" algn="l" defTabSz="932425" rtl="0" eaLnBrk="1" fontAlgn="auto" latinLnBrk="0" hangingPunct="1">
+              <a:lnSpc>
+                <a:spcPct val="100000"/>
+              </a:lnSpc>
+              <a:spcBef>
+                <a:spcPts val="0"/>
+              </a:spcBef>
+              <a:spcAft>
+                <a:spcPts val="0"/>
+              </a:spcAft>
+              <a:buClrTx/>
+              <a:buSzTx/>
+              <a:buFontTx/>
+              <a:buNone/>
+              <a:tabLst/>
+              <a:defRPr/>
+            </a:pPr>
+            <a:r>
+              <a:rPr lang="de-DE" dirty="0" smtClean="0"/>
               <a:t>PAYG</a:t>
             </a:r>
             <a:r>
               <a:rPr lang="de-DE" baseline="0" dirty="0" smtClean="0"/>
-              <a:t> = Pay-</a:t>
+              <a:t> </a:t>
+            </a:r>
+            <a:r>
+              <a:rPr lang="de-DE" baseline="0" dirty="0" smtClean="0"/>
+              <a:t>= Pay-</a:t>
             </a:r>
             <a:r>
               <a:rPr lang="de-DE" baseline="0" dirty="0" err="1" smtClean="0"/>
@@ -1534,6 +1876,37 @@
             <a:r>
               <a:rPr lang="de-DE" baseline="0" dirty="0" smtClean="0"/>
               <a:t>, Verbrauchstarif</a:t>
+            </a:r>
+            <a:endParaRPr lang="de-DE" dirty="0" smtClean="0"/>
+          </a:p>
+          <a:p>
+            <a:endParaRPr lang="de-DE" dirty="0" smtClean="0"/>
+          </a:p>
+          <a:p>
+            <a:pPr marL="0" marR="0" indent="0" algn="l" defTabSz="932425" rtl="0" eaLnBrk="1" fontAlgn="auto" latinLnBrk="0" hangingPunct="1">
+              <a:lnSpc>
+                <a:spcPct val="100000"/>
+              </a:lnSpc>
+              <a:spcBef>
+                <a:spcPts val="0"/>
+              </a:spcBef>
+              <a:spcAft>
+                <a:spcPts val="0"/>
+              </a:spcAft>
+              <a:buClrTx/>
+              <a:buSzTx/>
+              <a:buFontTx/>
+              <a:buNone/>
+              <a:tabLst/>
+              <a:defRPr/>
+            </a:pPr>
+            <a:r>
+              <a:rPr lang="de-DE" dirty="0" smtClean="0"/>
+              <a:t>Ohne Gewähr. Berechnungen wurden</a:t>
+            </a:r>
+            <a:r>
+              <a:rPr lang="de-DE" baseline="0" dirty="0" smtClean="0"/>
+              <a:t> nach besten Wissen erstellt, dennoch können Fehler nicht ausgeschlossen werden.</a:t>
             </a:r>
             <a:endParaRPr lang="de-DE" dirty="0" smtClean="0"/>
           </a:p>
@@ -1685,7 +2058,7 @@
                   <a:prstClr val="black"/>
                 </a:solidFill>
               </a:rPr>
-              <a:t>10/20/2015 1:44 PM</a:t>
+              <a:t>10/20/2015 2:58 PM</a:t>
             </a:fld>
             <a:endParaRPr lang="en-US" dirty="0">
               <a:solidFill>
@@ -1717,7 +2090,7 @@
                 </a:solidFill>
               </a:rPr>
               <a:pPr/>
-              <a:t>10</a:t>
+              <a:t>9</a:t>
             </a:fld>
             <a:endParaRPr lang="en-US" dirty="0">
               <a:solidFill>
@@ -1932,14 +2305,14 @@
           </a:ln>
           <a:extLst>
             <a:ext uri="{909E8E84-426E-40dd-AFC4-6F175D3DCCD1}">
-              <a14:hiddenFill xmlns="" xmlns:a14="http://schemas.microsoft.com/office/drawing/2010/main">
+              <a14:hiddenFill xmlns:a14="http://schemas.microsoft.com/office/drawing/2010/main" xmlns="">
                 <a:solidFill>
                   <a:srgbClr val="FFFFFF"/>
                 </a:solidFill>
               </a14:hiddenFill>
             </a:ext>
             <a:ext uri="{91240B29-F687-4f45-9708-019B960494DF}">
-              <a14:hiddenLine xmlns="" xmlns:a14="http://schemas.microsoft.com/office/drawing/2010/main" w="9525">
+              <a14:hiddenLine xmlns:a14="http://schemas.microsoft.com/office/drawing/2010/main" xmlns="" w="9525">
                 <a:solidFill>
                   <a:srgbClr val="000000"/>
                 </a:solidFill>
@@ -3425,14 +3798,14 @@
           </a:ln>
           <a:extLst>
             <a:ext uri="{909E8E84-426E-40dd-AFC4-6F175D3DCCD1}">
-              <a14:hiddenFill xmlns="" xmlns:a14="http://schemas.microsoft.com/office/drawing/2010/main">
+              <a14:hiddenFill xmlns:a14="http://schemas.microsoft.com/office/drawing/2010/main" xmlns="">
                 <a:solidFill>
                   <a:srgbClr val="FFFFFF"/>
                 </a:solidFill>
               </a14:hiddenFill>
             </a:ext>
             <a:ext uri="{91240B29-F687-4f45-9708-019B960494DF}">
-              <a14:hiddenLine xmlns="" xmlns:a14="http://schemas.microsoft.com/office/drawing/2010/main" w="9525">
+              <a14:hiddenLine xmlns:a14="http://schemas.microsoft.com/office/drawing/2010/main" xmlns="" w="9525">
                 <a:solidFill>
                   <a:srgbClr val="000000"/>
                 </a:solidFill>
@@ -3442,7 +3815,7 @@
               </a14:hiddenLine>
             </a:ext>
             <a:ext uri="{FAA26D3D-D897-4be2-8F04-BA451C77F1D7}">
-              <ma14:placeholderFlag xmlns="" xmlns:ma14="http://schemas.microsoft.com/office/mac/drawingml/2011/main" val="1"/>
+              <ma14:placeholderFlag xmlns:ma14="http://schemas.microsoft.com/office/mac/drawingml/2011/main" xmlns="" val="1"/>
             </a:ext>
           </a:extLst>
         </p:spPr>
@@ -4292,14 +4665,14 @@
           </a:ln>
           <a:extLst>
             <a:ext uri="{909E8E84-426E-40dd-AFC4-6F175D3DCCD1}">
-              <a14:hiddenFill xmlns="" xmlns:a14="http://schemas.microsoft.com/office/drawing/2010/main">
+              <a14:hiddenFill xmlns:a14="http://schemas.microsoft.com/office/drawing/2010/main" xmlns="">
                 <a:solidFill>
                   <a:srgbClr val="FFFFFF"/>
                 </a:solidFill>
               </a14:hiddenFill>
             </a:ext>
             <a:ext uri="{91240B29-F687-4f45-9708-019B960494DF}">
-              <a14:hiddenLine xmlns="" xmlns:a14="http://schemas.microsoft.com/office/drawing/2010/main" w="9525">
+              <a14:hiddenLine xmlns:a14="http://schemas.microsoft.com/office/drawing/2010/main" xmlns="" w="9525">
                 <a:solidFill>
                   <a:srgbClr val="000000"/>
                 </a:solidFill>
@@ -4958,55 +5331,6 @@
   <p:transition>
     <p:fade/>
   </p:transition>
-  <p:timing>
-    <p:tnLst>
-      <p:par>
-        <p:cTn id="1" dur="indefinite" restart="never" nodeType="tmRoot"/>
-      </p:par>
-    </p:tnLst>
-  </p:timing>
-</p:sld>
-</file>
-
-<file path=ppt/slides/slide10.xml><?xml version="1.0" encoding="utf-8"?>
-<p:sld xmlns:a="http://schemas.openxmlformats.org/drawingml/2006/main" xmlns:r="http://schemas.openxmlformats.org/officeDocument/2006/relationships" xmlns:p="http://schemas.openxmlformats.org/presentationml/2006/main">
-  <p:cSld>
-    <p:spTree>
-      <p:nvGrpSpPr>
-        <p:cNvPr id="1" name=""/>
-        <p:cNvGrpSpPr/>
-        <p:nvPr/>
-      </p:nvGrpSpPr>
-      <p:grpSpPr>
-        <a:xfrm>
-          <a:off x="0" y="0"/>
-          <a:ext cx="0" cy="0"/>
-          <a:chOff x="0" y="0"/>
-          <a:chExt cx="0" cy="0"/>
-        </a:xfrm>
-      </p:grpSpPr>
-    </p:spTree>
-    <p:extLst>
-      <p:ext uri="{BB962C8B-B14F-4D97-AF65-F5344CB8AC3E}">
-        <p14:creationId xmlns:p14="http://schemas.microsoft.com/office/powerpoint/2010/main" val="1169096581"/>
-      </p:ext>
-    </p:extLst>
-  </p:cSld>
-  <p:clrMapOvr>
-    <a:masterClrMapping/>
-  </p:clrMapOvr>
-  <mc:AlternateContent xmlns:mc="http://schemas.openxmlformats.org/markup-compatibility/2006" xmlns:p14="http://schemas.microsoft.com/office/powerpoint/2010/main">
-    <mc:Choice Requires="p14">
-      <p:transition spd="med" p14:dur="700">
-        <p:fade/>
-      </p:transition>
-    </mc:Choice>
-    <mc:Fallback xmlns="">
-      <p:transition spd="med">
-        <p:fade/>
-      </p:transition>
-    </mc:Fallback>
-  </mc:AlternateContent>
   <p:timing>
     <p:tnLst>
       <p:par>
@@ -17755,38 +18079,29 @@
             <a:pPr lvl="1"/>
             <a:r>
               <a:rPr lang="de-DE" dirty="0" smtClean="0"/>
-              <a:t>Webseite mit SSL und 1 bis 2 Instanzen (mit und ohne SLA)</a:t>
-            </a:r>
-          </a:p>
-          <a:p>
-            <a:pPr lvl="1"/>
-            <a:r>
-              <a:rPr lang="de-DE" dirty="0" smtClean="0"/>
               <a:t>VMs </a:t>
             </a:r>
             <a:r>
               <a:rPr lang="de-DE" dirty="0" err="1" smtClean="0"/>
               <a:t>Testlab</a:t>
             </a:r>
-            <a:r>
-              <a:rPr lang="de-DE" dirty="0" smtClean="0"/>
-              <a:t> (mit und ohne SLA)</a:t>
-            </a:r>
+            <a:endParaRPr lang="de-DE" dirty="0" smtClean="0"/>
           </a:p>
           <a:p>
             <a:pPr lvl="1"/>
             <a:r>
               <a:rPr lang="de-DE" dirty="0" smtClean="0"/>
-              <a:t>Backup (viele und wenig Instanzen)</a:t>
+              <a:t>Hochfrequentierte Webseite</a:t>
             </a:r>
+            <a:endParaRPr lang="de-DE" dirty="0" smtClean="0"/>
           </a:p>
           <a:p>
             <a:pPr lvl="1"/>
             <a:r>
-              <a:rPr lang="de-DE" dirty="0" smtClean="0"/>
-              <a:t>Herangehensweise zeigen, wie man auf die Kosten kommt.</a:t>
+              <a:rPr lang="de-DE" smtClean="0"/>
+              <a:t>Backup</a:t>
             </a:r>
-            <a:endParaRPr lang="de-DE" dirty="0"/>
+            <a:endParaRPr lang="de-DE" dirty="0" smtClean="0"/>
           </a:p>
         </p:txBody>
       </p:sp>
@@ -18823,11 +19138,23 @@
           <a:p>
             <a:r>
               <a:rPr lang="de-DE" sz="4080" dirty="0" smtClean="0"/>
-              <a:t>Professionelle Webseite (PAYG) </a:t>
+              <a:t>Hochfrequentierte </a:t>
+            </a:r>
+            <a:r>
+              <a:rPr lang="de-DE" sz="4080" dirty="0" smtClean="0"/>
+              <a:t>Webseite (PAYG) </a:t>
             </a:r>
             <a:r>
               <a:rPr lang="de-DE" sz="2040" dirty="0"/>
-              <a:t>(Stand 30.06.2014)</a:t>
+              <a:t>(Stand </a:t>
+            </a:r>
+            <a:r>
+              <a:rPr lang="de-DE" sz="2040" dirty="0" smtClean="0"/>
+              <a:t>2</a:t>
+            </a:r>
+            <a:r>
+              <a:rPr lang="de-DE" sz="2040" dirty="0" smtClean="0"/>
+              <a:t>0.10.2015)</a:t>
             </a:r>
             <a:endParaRPr lang="de-DE" sz="4080" dirty="0"/>
           </a:p>
@@ -18843,14 +19170,14 @@
             <p:ph idx="4294967295"/>
             <p:extLst>
               <p:ext uri="{D42A27DB-BD31-4B8C-83A1-F6EECF244321}">
-                <p14:modId xmlns:p14="http://schemas.microsoft.com/office/powerpoint/2010/main" val="3429547766"/>
+                <p14:modId xmlns:p14="http://schemas.microsoft.com/office/powerpoint/2010/main" val="1184973791"/>
               </p:ext>
             </p:extLst>
           </p:nvPr>
         </p:nvGraphicFramePr>
         <p:xfrm>
           <a:off x="1044637" y="1080599"/>
-          <a:ext cx="10347200" cy="5146822"/>
+          <a:ext cx="10347200" cy="4961609"/>
         </p:xfrm>
         <a:graphic>
           <a:graphicData uri="http://schemas.openxmlformats.org/drawingml/2006/table">
@@ -18942,7 +19269,11 @@
                       </a:r>
                       <a:r>
                         <a:rPr lang="de-DE" sz="1600" baseline="0" dirty="0" smtClean="0"/>
-                        <a:t> / 10h</a:t>
+                        <a:t> / </a:t>
+                      </a:r>
+                      <a:r>
+                        <a:rPr lang="de-DE" sz="1600" baseline="0" dirty="0" smtClean="0"/>
+                        <a:t>Tag</a:t>
                       </a:r>
                       <a:endParaRPr lang="de-DE" sz="1600" dirty="0"/>
                     </a:p>
@@ -18993,7 +19324,17 @@
                       </a:r>
                       <a:r>
                         <a:rPr lang="de-DE" sz="1600" baseline="0" dirty="0" smtClean="0"/>
-                        <a:t> S2</a:t>
+                        <a:t> </a:t>
+                      </a:r>
+                      <a:r>
+                        <a:rPr lang="de-DE" sz="1600" baseline="0" dirty="0" smtClean="0"/>
+                        <a:t>S2</a:t>
+                      </a:r>
+                    </a:p>
+                    <a:p>
+                      <a:r>
+                        <a:rPr lang="de-DE" sz="1600" baseline="0" dirty="0" smtClean="0"/>
+                        <a:t>(2 Kerne, 3,5 GB RAM, 50 GB HD)</a:t>
                       </a:r>
                       <a:endParaRPr lang="de-DE" sz="1600" dirty="0" smtClean="0"/>
                     </a:p>
@@ -19020,7 +19361,7 @@
                     <a:p>
                       <a:r>
                         <a:rPr lang="de-DE" sz="1600" dirty="0" smtClean="0"/>
-                        <a:t>€0,</a:t>
+                        <a:t>€10,128</a:t>
                       </a:r>
                       <a:endParaRPr lang="de-DE" sz="1600" dirty="0"/>
                     </a:p>
@@ -19070,7 +19411,17 @@
                       </a:r>
                       <a:r>
                         <a:rPr lang="de-DE" sz="1600" baseline="0" dirty="0" smtClean="0"/>
-                        <a:t> S2</a:t>
+                        <a:t> </a:t>
+                      </a:r>
+                      <a:r>
+                        <a:rPr lang="de-DE" sz="1600" baseline="0" dirty="0" smtClean="0"/>
+                        <a:t>S2</a:t>
+                      </a:r>
+                    </a:p>
+                    <a:p>
+                      <a:r>
+                        <a:rPr lang="de-DE" sz="1600" baseline="0" dirty="0" smtClean="0"/>
+                        <a:t>(2 Kerne, 3,5 GB RAM, 50 GB HD)</a:t>
                       </a:r>
                       <a:endParaRPr lang="de-DE" sz="1600" dirty="0"/>
                     </a:p>
@@ -19115,6 +19466,10 @@
                     <a:bodyPr/>
                     <a:lstStyle/>
                     <a:p>
+                      <a:r>
+                        <a:rPr lang="de-DE" sz="1600" dirty="0" smtClean="0"/>
+                        <a:t>€3,0384</a:t>
+                      </a:r>
                       <a:endParaRPr lang="de-DE" sz="1600" dirty="0"/>
                     </a:p>
                   </a:txBody>
@@ -19195,8 +19550,17 @@
                     <a:p>
                       <a:r>
                         <a:rPr lang="de-DE" sz="1600" dirty="0" smtClean="0"/>
-                        <a:t>ca. 60 GB </a:t>
+                        <a:t>1 TB (Block </a:t>
                       </a:r>
+                      <a:r>
+                        <a:rPr lang="de-DE" sz="1600" dirty="0" err="1" smtClean="0"/>
+                        <a:t>blob</a:t>
+                      </a:r>
+                      <a:r>
+                        <a:rPr lang="de-DE" sz="1600" dirty="0" smtClean="0"/>
+                        <a:t>)</a:t>
+                      </a:r>
+                      <a:endParaRPr lang="de-DE" sz="1600" dirty="0" smtClean="0"/>
                     </a:p>
                     <a:p>
                       <a:r>
@@ -19215,7 +19579,11 @@
                     <a:p>
                       <a:r>
                         <a:rPr lang="de-DE" sz="1600" dirty="0" smtClean="0"/>
-                        <a:t>€0,038 /</a:t>
+                        <a:t>€0,0203  </a:t>
+                      </a:r>
+                      <a:r>
+                        <a:rPr lang="de-DE" sz="1600" dirty="0" smtClean="0"/>
+                        <a:t>/</a:t>
                       </a:r>
                       <a:r>
                         <a:rPr lang="de-DE" sz="1600" baseline="0" dirty="0" smtClean="0"/>
@@ -19241,8 +19609,23 @@
                     <a:p>
                       <a:r>
                         <a:rPr lang="de-DE" sz="1600" dirty="0" smtClean="0"/>
-                        <a:t>€2,28 / Monat</a:t>
+                        <a:t>€0,6929</a:t>
                       </a:r>
+                    </a:p>
+                    <a:p>
+                      <a:r>
+                        <a:rPr lang="de-DE" sz="1600" dirty="0" smtClean="0"/>
+                        <a:t>(€20,7872 </a:t>
+                      </a:r>
+                      <a:r>
+                        <a:rPr lang="de-DE" sz="1600" dirty="0" smtClean="0"/>
+                        <a:t>/ </a:t>
+                      </a:r>
+                      <a:r>
+                        <a:rPr lang="de-DE" sz="1600" dirty="0" smtClean="0"/>
+                        <a:t>Monat)</a:t>
+                      </a:r>
+                      <a:endParaRPr lang="de-DE" sz="1600" dirty="0" smtClean="0"/>
                     </a:p>
                   </a:txBody>
                   <a:tcPr marL="93260" marR="93260" marT="46630" marB="46630"/>
@@ -19275,7 +19658,19 @@
                     <a:p>
                       <a:r>
                         <a:rPr lang="de-DE" sz="1600" dirty="0" smtClean="0"/>
-                        <a:t>Weit unter 1.000.000 Transaktionen</a:t>
+                        <a:t>Bis</a:t>
+                      </a:r>
+                      <a:r>
+                        <a:rPr lang="de-DE" sz="1600" baseline="0" dirty="0" smtClean="0"/>
+                        <a:t> </a:t>
+                      </a:r>
+                      <a:r>
+                        <a:rPr lang="de-DE" sz="1600" dirty="0" smtClean="0"/>
+                        <a:t>1.000.000 </a:t>
+                      </a:r>
+                      <a:r>
+                        <a:rPr lang="de-DE" sz="1600" dirty="0" smtClean="0"/>
+                        <a:t>Transaktionen</a:t>
                       </a:r>
                       <a:endParaRPr lang="de-DE" sz="1600" dirty="0"/>
                     </a:p>
@@ -19305,6 +19700,7 @@
                         <a:rPr lang="de-DE" sz="1600" dirty="0" smtClean="0"/>
                         <a:t>€0,04</a:t>
                       </a:r>
+                      <a:endParaRPr lang="de-DE" sz="1600" dirty="0" smtClean="0"/>
                     </a:p>
                   </a:txBody>
                   <a:tcPr marL="93260" marR="93260" marT="46630" marB="46630"/>
@@ -19312,53 +19708,6 @@
                 <a:extLst>
                   <a:ext uri="{0D108BD9-81ED-4DB2-BD59-A6C34878D82A}">
                     <a16:rowId xmlns:a16="http://schemas.microsoft.com/office/drawing/2014/main" val="10005"/>
-                  </a:ext>
-                </a:extLst>
-              </a:tr>
-              <a:tr h="590649">
-                <a:tc>
-                  <a:txBody>
-                    <a:bodyPr/>
-                    <a:lstStyle/>
-                    <a:p>
-                      <a:endParaRPr lang="de-DE" sz="1600" dirty="0"/>
-                    </a:p>
-                  </a:txBody>
-                  <a:tcPr marL="93260" marR="93260" marT="46630" marB="46630"/>
-                </a:tc>
-                <a:tc>
-                  <a:txBody>
-                    <a:bodyPr/>
-                    <a:lstStyle/>
-                    <a:p>
-                      <a:endParaRPr lang="de-DE" sz="1600" dirty="0"/>
-                    </a:p>
-                  </a:txBody>
-                  <a:tcPr marL="93260" marR="93260" marT="46630" marB="46630"/>
-                </a:tc>
-                <a:tc>
-                  <a:txBody>
-                    <a:bodyPr/>
-                    <a:lstStyle/>
-                    <a:p>
-                      <a:endParaRPr lang="de-DE" sz="1600" dirty="0"/>
-                    </a:p>
-                  </a:txBody>
-                  <a:tcPr marL="93260" marR="93260" marT="46630" marB="46630"/>
-                </a:tc>
-                <a:tc>
-                  <a:txBody>
-                    <a:bodyPr/>
-                    <a:lstStyle/>
-                    <a:p>
-                      <a:endParaRPr lang="de-DE" sz="1600" dirty="0" smtClean="0"/>
-                    </a:p>
-                  </a:txBody>
-                  <a:tcPr marL="93260" marR="93260" marT="46630" marB="46630"/>
-                </a:tc>
-                <a:extLst>
-                  <a:ext uri="{0D108BD9-81ED-4DB2-BD59-A6C34878D82A}">
-                    <a16:rowId xmlns:a16="http://schemas.microsoft.com/office/drawing/2014/main" val="10006"/>
                   </a:ext>
                 </a:extLst>
               </a:tr>
@@ -19384,7 +19733,11 @@
                     <a:p>
                       <a:r>
                         <a:rPr lang="de-DE" sz="1600" dirty="0" smtClean="0"/>
-                        <a:t>10 TB</a:t>
+                        <a:t>1 </a:t>
+                      </a:r>
+                      <a:r>
+                        <a:rPr lang="de-DE" sz="1600" dirty="0" smtClean="0"/>
+                        <a:t>TB</a:t>
                       </a:r>
                       <a:endParaRPr lang="de-DE" sz="1600" dirty="0"/>
                     </a:p>
@@ -19398,11 +19751,17 @@
                     <a:p>
                       <a:r>
                         <a:rPr lang="de-DE" sz="1600" dirty="0" smtClean="0"/>
-                        <a:t>Unter 5 GB:</a:t>
+                        <a:t>€0,0734 / GB </a:t>
+                      </a:r>
+                    </a:p>
+                    <a:p>
+                      <a:r>
+                        <a:rPr lang="de-DE" sz="1600" dirty="0" smtClean="0"/>
+                        <a:t>(Preisstufe</a:t>
                       </a:r>
                       <a:r>
                         <a:rPr lang="de-DE" sz="1600" baseline="0" dirty="0" smtClean="0"/>
-                        <a:t> kostenlos</a:t>
+                        <a:t> bis 10 TB)</a:t>
                       </a:r>
                       <a:endParaRPr lang="de-DE" sz="1600" dirty="0"/>
                     </a:p>
@@ -19416,8 +19775,9 @@
                     <a:p>
                       <a:r>
                         <a:rPr lang="de-DE" sz="1600" dirty="0" smtClean="0"/>
-                        <a:t>€0,</a:t>
+                        <a:t>€75,1616</a:t>
                       </a:r>
+                      <a:endParaRPr lang="de-DE" sz="1600" dirty="0" smtClean="0"/>
                     </a:p>
                   </a:txBody>
                   <a:tcPr marL="93260" marR="93260" marT="46630" marB="46630"/>
@@ -19470,8 +19830,19 @@
                     <a:p>
                       <a:r>
                         <a:rPr lang="de-DE" sz="1600" b="1" dirty="0" smtClean="0"/>
-                        <a:t>€5,456 für 10h</a:t>
+                        <a:t>€89,06</a:t>
                       </a:r>
+                    </a:p>
+                    <a:p>
+                      <a:r>
+                        <a:rPr lang="de-DE" sz="1600" b="1" dirty="0" smtClean="0"/>
+                        <a:t>(€2.671,827 /</a:t>
+                      </a:r>
+                      <a:r>
+                        <a:rPr lang="de-DE" sz="1600" b="1" baseline="0" dirty="0" smtClean="0"/>
+                        <a:t> 30 Tage)</a:t>
+                      </a:r>
+                      <a:endParaRPr lang="de-DE" sz="1600" b="1" dirty="0" smtClean="0"/>
                     </a:p>
                   </a:txBody>
                   <a:tcPr marL="93260" marR="93260" marT="46630" marB="46630"/>
@@ -19561,7 +19932,15 @@
             </a:r>
             <a:r>
               <a:rPr lang="de-DE" sz="2040" dirty="0" smtClean="0"/>
-              <a:t>11.10.2015)</a:t>
+              <a:t>20</a:t>
+            </a:r>
+            <a:r>
+              <a:rPr lang="de-DE" sz="2040" dirty="0" smtClean="0"/>
+              <a:t>.10.2015</a:t>
+            </a:r>
+            <a:r>
+              <a:rPr lang="de-DE" sz="2040" dirty="0" smtClean="0"/>
+              <a:t>)</a:t>
             </a:r>
             <a:endParaRPr lang="de-DE" sz="4080" dirty="0"/>
           </a:p>
@@ -19577,14 +19956,14 @@
             <p:ph idx="4294967295"/>
             <p:extLst>
               <p:ext uri="{D42A27DB-BD31-4B8C-83A1-F6EECF244321}">
-                <p14:modId xmlns:p14="http://schemas.microsoft.com/office/powerpoint/2010/main" val="2971746954"/>
+                <p14:modId xmlns:p14="http://schemas.microsoft.com/office/powerpoint/2010/main" val="2841896938"/>
               </p:ext>
             </p:extLst>
           </p:nvPr>
         </p:nvGraphicFramePr>
         <p:xfrm>
           <a:off x="1044637" y="1080599"/>
-          <a:ext cx="10347200" cy="4998947"/>
+          <a:ext cx="10347200" cy="5233078"/>
         </p:xfrm>
         <a:graphic>
           <a:graphicData uri="http://schemas.openxmlformats.org/drawingml/2006/table">
@@ -19593,28 +19972,28 @@
                 <a:tableStyleId>{5C22544A-7EE6-4342-B048-85BDC9FD1C3A}</a:tableStyleId>
               </a:tblPr>
               <a:tblGrid>
-                <a:gridCol w="2586800">
+                <a:gridCol w="3028599">
                   <a:extLst>
                     <a:ext uri="{9D8B030D-6E8A-4147-A177-3AD203B41FA5}">
                       <a16:colId xmlns:a16="http://schemas.microsoft.com/office/drawing/2014/main" val="20000"/>
                     </a:ext>
                   </a:extLst>
                 </a:gridCol>
-                <a:gridCol w="2586800">
+                <a:gridCol w="1496291">
                   <a:extLst>
                     <a:ext uri="{9D8B030D-6E8A-4147-A177-3AD203B41FA5}">
                       <a16:colId xmlns:a16="http://schemas.microsoft.com/office/drawing/2014/main" val="20001"/>
                     </a:ext>
                   </a:extLst>
                 </a:gridCol>
-                <a:gridCol w="2586800">
+                <a:gridCol w="4001985">
                   <a:extLst>
                     <a:ext uri="{9D8B030D-6E8A-4147-A177-3AD203B41FA5}">
                       <a16:colId xmlns:a16="http://schemas.microsoft.com/office/drawing/2014/main" val="20002"/>
                     </a:ext>
                   </a:extLst>
                 </a:gridCol>
-                <a:gridCol w="2586800">
+                <a:gridCol w="1820325">
                   <a:extLst>
                     <a:ext uri="{9D8B030D-6E8A-4147-A177-3AD203B41FA5}">
                       <a16:colId xmlns:a16="http://schemas.microsoft.com/office/drawing/2014/main" val="20003"/>
@@ -19644,7 +20023,7 @@
                     <a:p>
                       <a:r>
                         <a:rPr lang="de-DE" sz="1600" dirty="0" smtClean="0"/>
-                        <a:t>Details</a:t>
+                        <a:t>Menge</a:t>
                       </a:r>
                       <a:endParaRPr lang="de-DE" sz="1600" dirty="0"/>
                     </a:p>
@@ -19676,7 +20055,11 @@
                       </a:r>
                       <a:r>
                         <a:rPr lang="de-DE" sz="1600" baseline="0" dirty="0" smtClean="0"/>
-                        <a:t> / 10h</a:t>
+                        <a:t> / </a:t>
+                      </a:r>
+                      <a:r>
+                        <a:rPr lang="de-DE" sz="1600" baseline="0" dirty="0" smtClean="0"/>
+                        <a:t>Monat</a:t>
                       </a:r>
                       <a:endParaRPr lang="de-DE" sz="1600" dirty="0"/>
                     </a:p>
@@ -19713,6 +20096,10 @@
                     <a:bodyPr/>
                     <a:lstStyle/>
                     <a:p>
+                      <a:r>
+                        <a:rPr lang="de-DE" sz="1600" dirty="0" smtClean="0"/>
+                        <a:t>45x 20 GB</a:t>
+                      </a:r>
                       <a:endParaRPr lang="de-DE" sz="1600" dirty="0" smtClean="0"/>
                     </a:p>
                   </a:txBody>
@@ -19725,8 +20112,15 @@
                     <a:p>
                       <a:r>
                         <a:rPr lang="de-DE" sz="1600" dirty="0" smtClean="0"/>
-                        <a:t>€0,038 / Monat</a:t>
+                        <a:t>Instanz:</a:t>
                       </a:r>
+                    </a:p>
+                    <a:p>
+                      <a:r>
+                        <a:rPr lang="de-DE" sz="1600" dirty="0" smtClean="0"/>
+                        <a:t>€4,2165 / Monat</a:t>
+                      </a:r>
+                      <a:endParaRPr lang="de-DE" sz="1600" dirty="0" smtClean="0"/>
                     </a:p>
                   </a:txBody>
                   <a:tcPr marL="93260" marR="93260" marT="46630" marB="46630"/>
@@ -19738,7 +20132,7 @@
                     <a:p>
                       <a:r>
                         <a:rPr lang="de-DE" sz="1600" dirty="0" smtClean="0"/>
-                        <a:t>€0,38</a:t>
+                        <a:t>€189,7425</a:t>
                       </a:r>
                       <a:endParaRPr lang="de-DE" sz="1600" dirty="0"/>
                     </a:p>
@@ -19748,262 +20142,6 @@
                 <a:extLst>
                   <a:ext uri="{0D108BD9-81ED-4DB2-BD59-A6C34878D82A}">
                     <a16:rowId xmlns:a16="http://schemas.microsoft.com/office/drawing/2014/main" val="10001"/>
-                  </a:ext>
-                </a:extLst>
-              </a:tr>
-              <a:tr h="590649">
-                <a:tc>
-                  <a:txBody>
-                    <a:bodyPr/>
-                    <a:lstStyle/>
-                    <a:p>
-                      <a:r>
-                        <a:rPr lang="de-DE" sz="1600" dirty="0" smtClean="0"/>
-                        <a:t>Geschützte</a:t>
-                      </a:r>
-                      <a:r>
-                        <a:rPr lang="de-DE" sz="1600" baseline="0" dirty="0" smtClean="0"/>
-                        <a:t> Instanzen zwischen 50 GB und 500 GB Daten</a:t>
-                      </a:r>
-                      <a:endParaRPr lang="de-DE" sz="1600" dirty="0"/>
-                    </a:p>
-                  </a:txBody>
-                  <a:tcPr marL="93260" marR="93260" marT="46630" marB="46630"/>
-                </a:tc>
-                <a:tc>
-                  <a:txBody>
-                    <a:bodyPr/>
-                    <a:lstStyle/>
-                    <a:p>
-                      <a:endParaRPr lang="de-DE" sz="1600" dirty="0"/>
-                    </a:p>
-                  </a:txBody>
-                  <a:tcPr marL="93260" marR="93260" marT="46630" marB="46630"/>
-                </a:tc>
-                <a:tc>
-                  <a:txBody>
-                    <a:bodyPr/>
-                    <a:lstStyle/>
-                    <a:p>
-                      <a:r>
-                        <a:rPr lang="de-DE" sz="1600" dirty="0" smtClean="0"/>
-                        <a:t>€0,152 / Stunde</a:t>
-                      </a:r>
-                    </a:p>
-                    <a:p>
-                      <a:pPr marL="0" marR="0" indent="0" algn="l" defTabSz="914422" rtl="0" eaLnBrk="1" fontAlgn="auto" latinLnBrk="0" hangingPunct="1">
-                        <a:lnSpc>
-                          <a:spcPct val="100000"/>
-                        </a:lnSpc>
-                        <a:spcBef>
-                          <a:spcPts val="0"/>
-                        </a:spcBef>
-                        <a:spcAft>
-                          <a:spcPts val="0"/>
-                        </a:spcAft>
-                        <a:buClrTx/>
-                        <a:buSzTx/>
-                        <a:buFontTx/>
-                        <a:buNone/>
-                        <a:tabLst/>
-                        <a:defRPr/>
-                      </a:pPr>
-                      <a:r>
-                        <a:rPr lang="de-DE" sz="1600" dirty="0" smtClean="0"/>
-                        <a:t>(40% Rabatt)</a:t>
-                      </a:r>
-                    </a:p>
-                  </a:txBody>
-                  <a:tcPr marL="93260" marR="93260" marT="46630" marB="46630"/>
-                </a:tc>
-                <a:tc>
-                  <a:txBody>
-                    <a:bodyPr/>
-                    <a:lstStyle/>
-                    <a:p>
-                      <a:r>
-                        <a:rPr lang="de-DE" sz="1600" dirty="0" smtClean="0"/>
-                        <a:t>€1,52</a:t>
-                      </a:r>
-                      <a:endParaRPr lang="de-DE" sz="1600" dirty="0"/>
-                    </a:p>
-                  </a:txBody>
-                  <a:tcPr marL="93260" marR="93260" marT="46630" marB="46630"/>
-                </a:tc>
-                <a:extLst>
-                  <a:ext uri="{0D108BD9-81ED-4DB2-BD59-A6C34878D82A}">
-                    <a16:rowId xmlns:a16="http://schemas.microsoft.com/office/drawing/2014/main" val="10002"/>
-                  </a:ext>
-                </a:extLst>
-              </a:tr>
-              <a:tr h="590649">
-                <a:tc>
-                  <a:txBody>
-                    <a:bodyPr/>
-                    <a:lstStyle/>
-                    <a:p>
-                      <a:r>
-                        <a:rPr lang="de-DE" sz="1600" dirty="0" smtClean="0"/>
-                        <a:t>Geschützte</a:t>
-                      </a:r>
-                      <a:r>
-                        <a:rPr lang="de-DE" sz="1600" baseline="0" dirty="0" smtClean="0"/>
-                        <a:t> Instanzen größer als 500 GB Daten</a:t>
-                      </a:r>
-                      <a:endParaRPr lang="de-DE" sz="1600" dirty="0"/>
-                    </a:p>
-                  </a:txBody>
-                  <a:tcPr marL="93260" marR="93260" marT="46630" marB="46630"/>
-                </a:tc>
-                <a:tc>
-                  <a:txBody>
-                    <a:bodyPr/>
-                    <a:lstStyle/>
-                    <a:p>
-                      <a:endParaRPr lang="de-DE" sz="1600" dirty="0"/>
-                    </a:p>
-                  </a:txBody>
-                  <a:tcPr marL="93260" marR="93260" marT="46630" marB="46630"/>
-                </a:tc>
-                <a:tc>
-                  <a:txBody>
-                    <a:bodyPr/>
-                    <a:lstStyle/>
-                    <a:p>
-                      <a:r>
-                        <a:rPr lang="de-DE" sz="1600" dirty="0" smtClean="0"/>
-                        <a:t>€0,304 / Stunde</a:t>
-                      </a:r>
-                    </a:p>
-                    <a:p>
-                      <a:pPr marL="0" marR="0" indent="0" algn="l" defTabSz="914422" rtl="0" eaLnBrk="1" fontAlgn="auto" latinLnBrk="0" hangingPunct="1">
-                        <a:lnSpc>
-                          <a:spcPct val="100000"/>
-                        </a:lnSpc>
-                        <a:spcBef>
-                          <a:spcPts val="0"/>
-                        </a:spcBef>
-                        <a:spcAft>
-                          <a:spcPts val="0"/>
-                        </a:spcAft>
-                        <a:buClrTx/>
-                        <a:buSzTx/>
-                        <a:buFontTx/>
-                        <a:buNone/>
-                        <a:tabLst/>
-                        <a:defRPr/>
-                      </a:pPr>
-                      <a:r>
-                        <a:rPr lang="de-DE" sz="1600" dirty="0" smtClean="0"/>
-                        <a:t>(40% Rabatt)</a:t>
-                      </a:r>
-                    </a:p>
-                  </a:txBody>
-                  <a:tcPr marL="93260" marR="93260" marT="46630" marB="46630"/>
-                </a:tc>
-                <a:tc>
-                  <a:txBody>
-                    <a:bodyPr/>
-                    <a:lstStyle/>
-                    <a:p>
-                      <a:r>
-                        <a:rPr lang="de-DE" sz="1600" dirty="0" smtClean="0"/>
-                        <a:t>€3,04</a:t>
-                      </a:r>
-                      <a:endParaRPr lang="de-DE" sz="1600" dirty="0"/>
-                    </a:p>
-                  </a:txBody>
-                  <a:tcPr marL="93260" marR="93260" marT="46630" marB="46630"/>
-                </a:tc>
-                <a:extLst>
-                  <a:ext uri="{0D108BD9-81ED-4DB2-BD59-A6C34878D82A}">
-                    <a16:rowId xmlns:a16="http://schemas.microsoft.com/office/drawing/2014/main" val="10003"/>
-                  </a:ext>
-                </a:extLst>
-              </a:tr>
-              <a:tr h="590649">
-                <a:tc>
-                  <a:txBody>
-                    <a:bodyPr/>
-                    <a:lstStyle/>
-                    <a:p>
-                      <a:r>
-                        <a:rPr lang="de-DE" sz="1600" dirty="0" smtClean="0"/>
-                        <a:t>Speicher</a:t>
-                      </a:r>
-                      <a:endParaRPr lang="de-DE" sz="1600" dirty="0"/>
-                    </a:p>
-                  </a:txBody>
-                  <a:tcPr marL="93260" marR="93260" marT="46630" marB="46630"/>
-                </a:tc>
-                <a:tc>
-                  <a:txBody>
-                    <a:bodyPr/>
-                    <a:lstStyle/>
-                    <a:p>
-                      <a:r>
-                        <a:rPr lang="de-DE" sz="1600" dirty="0" smtClean="0"/>
-                        <a:t>ca. 60 GB </a:t>
-                      </a:r>
-                    </a:p>
-                    <a:p>
-                      <a:r>
-                        <a:rPr lang="de-DE" sz="1600" dirty="0" smtClean="0"/>
-                        <a:t>(lokal redundant)</a:t>
-                      </a:r>
-                      <a:endParaRPr lang="de-DE" sz="1600" dirty="0"/>
-                    </a:p>
-                  </a:txBody>
-                  <a:tcPr marL="93260" marR="93260" marT="46630" marB="46630"/>
-                </a:tc>
-                <a:tc>
-                  <a:txBody>
-                    <a:bodyPr/>
-                    <a:lstStyle/>
-                    <a:p>
-                      <a:r>
-                        <a:rPr lang="de-DE" sz="1600" dirty="0" smtClean="0"/>
-                        <a:t>€0,038 /</a:t>
-                      </a:r>
-                      <a:r>
-                        <a:rPr lang="de-DE" sz="1600" baseline="0" dirty="0" smtClean="0"/>
-                        <a:t> </a:t>
-                      </a:r>
-                      <a:r>
-                        <a:rPr lang="de-DE" sz="1600" dirty="0" smtClean="0"/>
-                        <a:t>GB /</a:t>
-                      </a:r>
-                      <a:r>
-                        <a:rPr lang="de-DE" sz="1600" baseline="0" dirty="0" smtClean="0"/>
-                        <a:t> Monat</a:t>
-                      </a:r>
-                      <a:endParaRPr lang="de-DE" sz="1600" dirty="0"/>
-                    </a:p>
-                  </a:txBody>
-                  <a:tcPr marL="93260" marR="93260" marT="46630" marB="46630"/>
-                </a:tc>
-                <a:tc>
-                  <a:txBody>
-                    <a:bodyPr/>
-                    <a:lstStyle/>
-                    <a:p>
-                      <a:r>
-                        <a:rPr lang="de-DE" sz="1600" dirty="0" smtClean="0"/>
-                        <a:t>€0,076 pro Tag</a:t>
-                      </a:r>
-                    </a:p>
-                    <a:p>
-                      <a:r>
-                        <a:rPr lang="de-DE" sz="1600" dirty="0" smtClean="0"/>
-                        <a:t>(€2,28 / Monat)</a:t>
-                      </a:r>
-                    </a:p>
-                  </a:txBody>
-                  <a:tcPr marL="93260" marR="93260" marT="46630" marB="46630"/>
-                </a:tc>
-                <a:extLst>
-                  <a:ext uri="{0D108BD9-81ED-4DB2-BD59-A6C34878D82A}">
-                    <a16:rowId xmlns:a16="http://schemas.microsoft.com/office/drawing/2014/main" val="10004"/>
                   </a:ext>
                 </a:extLst>
               </a:tr>
@@ -20033,6 +20171,90 @@
                     <a:bodyPr/>
                     <a:lstStyle/>
                     <a:p>
+                      <a:r>
+                        <a:rPr lang="de-DE" sz="1600" dirty="0" smtClean="0"/>
+                        <a:t>Speicher (LRS):</a:t>
+                      </a:r>
+                    </a:p>
+                    <a:p>
+                      <a:r>
+                        <a:rPr lang="de-DE" sz="1600" dirty="0" smtClean="0"/>
+                        <a:t>€0,0203 / GB (Preisstufe bis 1 TB)</a:t>
+                      </a:r>
+                      <a:endParaRPr lang="de-DE" sz="1600" dirty="0" smtClean="0"/>
+                    </a:p>
+                  </a:txBody>
+                  <a:tcPr marL="93260" marR="93260" marT="46630" marB="46630"/>
+                </a:tc>
+                <a:tc>
+                  <a:txBody>
+                    <a:bodyPr/>
+                    <a:lstStyle/>
+                    <a:p>
+                      <a:r>
+                        <a:rPr lang="de-DE" sz="1600" dirty="0" smtClean="0"/>
+                        <a:t>€18,27</a:t>
+                      </a:r>
+                      <a:endParaRPr lang="de-DE" sz="1600" dirty="0"/>
+                    </a:p>
+                  </a:txBody>
+                  <a:tcPr marL="93260" marR="93260" marT="46630" marB="46630"/>
+                </a:tc>
+                <a:extLst>
+                  <a:ext uri="{0D108BD9-81ED-4DB2-BD59-A6C34878D82A}">
+                    <a16:rowId xmlns:a16="http://schemas.microsoft.com/office/drawing/2014/main" val="10002"/>
+                  </a:ext>
+                </a:extLst>
+              </a:tr>
+              <a:tr h="590649">
+                <a:tc>
+                  <a:txBody>
+                    <a:bodyPr/>
+                    <a:lstStyle/>
+                    <a:p>
+                      <a:pPr marL="0" marR="0" indent="0" algn="l" defTabSz="932574" rtl="0" eaLnBrk="1" fontAlgn="auto" latinLnBrk="0" hangingPunct="1">
+                        <a:lnSpc>
+                          <a:spcPct val="100000"/>
+                        </a:lnSpc>
+                        <a:spcBef>
+                          <a:spcPts val="0"/>
+                        </a:spcBef>
+                        <a:spcAft>
+                          <a:spcPts val="0"/>
+                        </a:spcAft>
+                        <a:buClrTx/>
+                        <a:buSzTx/>
+                        <a:buFontTx/>
+                        <a:buNone/>
+                        <a:tabLst/>
+                        <a:defRPr/>
+                      </a:pPr>
+                      <a:r>
+                        <a:rPr lang="de-DE" sz="1600" dirty="0" smtClean="0"/>
+                        <a:t>Geschützte</a:t>
+                      </a:r>
+                      <a:r>
+                        <a:rPr lang="de-DE" sz="1600" baseline="0" dirty="0" smtClean="0"/>
+                        <a:t> Instanzen zwischen 50 GB und 500 GB Daten</a:t>
+                      </a:r>
+                      <a:endParaRPr lang="de-DE" sz="1600" dirty="0" smtClean="0"/>
+                    </a:p>
+                  </a:txBody>
+                  <a:tcPr marL="93260" marR="93260" marT="46630" marB="46630"/>
+                </a:tc>
+                <a:tc>
+                  <a:txBody>
+                    <a:bodyPr/>
+                    <a:lstStyle/>
+                    <a:p>
+                      <a:r>
+                        <a:rPr lang="de-DE" sz="1600" dirty="0" smtClean="0"/>
+                        <a:t>5x</a:t>
+                      </a:r>
+                      <a:r>
+                        <a:rPr lang="de-DE" sz="1600" baseline="0" dirty="0" smtClean="0"/>
+                        <a:t> 300 GB</a:t>
+                      </a:r>
                       <a:endParaRPr lang="de-DE" sz="1600" dirty="0"/>
                     </a:p>
                   </a:txBody>
@@ -20043,6 +20265,220 @@
                     <a:bodyPr/>
                     <a:lstStyle/>
                     <a:p>
+                      <a:r>
+                        <a:rPr lang="de-DE" sz="1600" dirty="0" smtClean="0"/>
+                        <a:t>Instanz:</a:t>
+                      </a:r>
+                    </a:p>
+                    <a:p>
+                      <a:r>
+                        <a:rPr lang="de-DE" sz="1600" dirty="0" smtClean="0"/>
+                        <a:t>€8,433 / Monat</a:t>
+                      </a:r>
+                      <a:endParaRPr lang="de-DE" sz="1600" dirty="0" smtClean="0"/>
+                    </a:p>
+                  </a:txBody>
+                  <a:tcPr marL="93260" marR="93260" marT="46630" marB="46630"/>
+                </a:tc>
+                <a:tc>
+                  <a:txBody>
+                    <a:bodyPr/>
+                    <a:lstStyle/>
+                    <a:p>
+                      <a:r>
+                        <a:rPr lang="de-DE" sz="1600" dirty="0" smtClean="0"/>
+                        <a:t>€42,165</a:t>
+                      </a:r>
+                      <a:endParaRPr lang="de-DE" sz="1600" dirty="0"/>
+                    </a:p>
+                  </a:txBody>
+                  <a:tcPr marL="93260" marR="93260" marT="46630" marB="46630"/>
+                </a:tc>
+                <a:extLst>
+                  <a:ext uri="{0D108BD9-81ED-4DB2-BD59-A6C34878D82A}">
+                    <a16:rowId xmlns:a16="http://schemas.microsoft.com/office/drawing/2014/main" val="10003"/>
+                  </a:ext>
+                </a:extLst>
+              </a:tr>
+              <a:tr h="590649">
+                <a:tc>
+                  <a:txBody>
+                    <a:bodyPr/>
+                    <a:lstStyle/>
+                    <a:p>
+                      <a:endParaRPr lang="de-DE" sz="1600" dirty="0"/>
+                    </a:p>
+                  </a:txBody>
+                  <a:tcPr marL="93260" marR="93260" marT="46630" marB="46630"/>
+                </a:tc>
+                <a:tc>
+                  <a:txBody>
+                    <a:bodyPr/>
+                    <a:lstStyle/>
+                    <a:p>
+                      <a:endParaRPr lang="de-DE" sz="1600" dirty="0"/>
+                    </a:p>
+                  </a:txBody>
+                  <a:tcPr marL="93260" marR="93260" marT="46630" marB="46630"/>
+                </a:tc>
+                <a:tc>
+                  <a:txBody>
+                    <a:bodyPr/>
+                    <a:lstStyle/>
+                    <a:p>
+                      <a:r>
+                        <a:rPr lang="de-DE" sz="1600" dirty="0" smtClean="0"/>
+                        <a:t>Speicher (LRS):</a:t>
+                      </a:r>
+                    </a:p>
+                    <a:p>
+                      <a:pPr marL="0" marR="0" indent="0" algn="l" defTabSz="932574" rtl="0" eaLnBrk="1" fontAlgn="auto" latinLnBrk="0" hangingPunct="1">
+                        <a:lnSpc>
+                          <a:spcPct val="100000"/>
+                        </a:lnSpc>
+                        <a:spcBef>
+                          <a:spcPts val="0"/>
+                        </a:spcBef>
+                        <a:spcAft>
+                          <a:spcPts val="0"/>
+                        </a:spcAft>
+                        <a:buClrTx/>
+                        <a:buSzTx/>
+                        <a:buFontTx/>
+                        <a:buNone/>
+                        <a:tabLst/>
+                        <a:defRPr/>
+                      </a:pPr>
+                      <a:r>
+                        <a:rPr lang="de-DE" sz="1600" dirty="0" smtClean="0"/>
+                        <a:t>€0,0203 / GB (Preisstufe bis 1 TB)</a:t>
+                      </a:r>
+                    </a:p>
+                    <a:p>
+                      <a:r>
+                        <a:rPr lang="de-DE" sz="1600" dirty="0" smtClean="0"/>
+                        <a:t>€0,02</a:t>
+                      </a:r>
+                      <a:r>
+                        <a:rPr lang="de-DE" sz="1600" baseline="0" dirty="0" smtClean="0"/>
+                        <a:t> / GB (Preisstufe bis 50 TB)</a:t>
+                      </a:r>
+                      <a:endParaRPr lang="de-DE" sz="1600" dirty="0"/>
+                    </a:p>
+                  </a:txBody>
+                  <a:tcPr marL="93260" marR="93260" marT="46630" marB="46630"/>
+                </a:tc>
+                <a:tc>
+                  <a:txBody>
+                    <a:bodyPr/>
+                    <a:lstStyle/>
+                    <a:p>
+                      <a:r>
+                        <a:rPr lang="de-DE" sz="1600" dirty="0" smtClean="0"/>
+                        <a:t>€20,7872</a:t>
+                      </a:r>
+                    </a:p>
+                    <a:p>
+                      <a:r>
+                        <a:rPr lang="de-DE" sz="1600" dirty="0" smtClean="0"/>
+                        <a:t>+ €9,52</a:t>
+                      </a:r>
+                    </a:p>
+                    <a:p>
+                      <a:r>
+                        <a:rPr lang="de-DE" sz="1600" dirty="0" smtClean="0"/>
+                        <a:t>= €30,3072</a:t>
+                      </a:r>
+                      <a:endParaRPr lang="de-DE" sz="1600" dirty="0" smtClean="0"/>
+                    </a:p>
+                  </a:txBody>
+                  <a:tcPr marL="93260" marR="93260" marT="46630" marB="46630"/>
+                </a:tc>
+                <a:extLst>
+                  <a:ext uri="{0D108BD9-81ED-4DB2-BD59-A6C34878D82A}">
+                    <a16:rowId xmlns:a16="http://schemas.microsoft.com/office/drawing/2014/main" val="10004"/>
+                  </a:ext>
+                </a:extLst>
+              </a:tr>
+              <a:tr h="590649">
+                <a:tc>
+                  <a:txBody>
+                    <a:bodyPr/>
+                    <a:lstStyle/>
+                    <a:p>
+                      <a:pPr marL="0" marR="0" indent="0" algn="l" defTabSz="932574" rtl="0" eaLnBrk="1" fontAlgn="auto" latinLnBrk="0" hangingPunct="1">
+                        <a:lnSpc>
+                          <a:spcPct val="100000"/>
+                        </a:lnSpc>
+                        <a:spcBef>
+                          <a:spcPts val="0"/>
+                        </a:spcBef>
+                        <a:spcAft>
+                          <a:spcPts val="0"/>
+                        </a:spcAft>
+                        <a:buClrTx/>
+                        <a:buSzTx/>
+                        <a:buFontTx/>
+                        <a:buNone/>
+                        <a:tabLst/>
+                        <a:defRPr/>
+                      </a:pPr>
+                      <a:r>
+                        <a:rPr lang="de-DE" sz="1600" dirty="0" smtClean="0"/>
+                        <a:t>Geschützte</a:t>
+                      </a:r>
+                      <a:r>
+                        <a:rPr lang="de-DE" sz="1600" baseline="0" dirty="0" smtClean="0"/>
+                        <a:t> Instanzen größer als 500 GB Daten</a:t>
+                      </a:r>
+                      <a:endParaRPr lang="de-DE" sz="1600" dirty="0" smtClean="0"/>
+                    </a:p>
+                  </a:txBody>
+                  <a:tcPr marL="93260" marR="93260" marT="46630" marB="46630"/>
+                </a:tc>
+                <a:tc>
+                  <a:txBody>
+                    <a:bodyPr/>
+                    <a:lstStyle/>
+                    <a:p>
+                      <a:r>
+                        <a:rPr lang="de-DE" sz="1600" dirty="0" smtClean="0"/>
+                        <a:t>1x 2 TB</a:t>
+                      </a:r>
+                      <a:endParaRPr lang="de-DE" sz="1600" dirty="0"/>
+                    </a:p>
+                  </a:txBody>
+                  <a:tcPr marL="93260" marR="93260" marT="46630" marB="46630"/>
+                </a:tc>
+                <a:tc>
+                  <a:txBody>
+                    <a:bodyPr/>
+                    <a:lstStyle/>
+                    <a:p>
+                      <a:r>
+                        <a:rPr lang="de-DE" sz="1600" dirty="0" smtClean="0"/>
+                        <a:t>Instanz:</a:t>
+                      </a:r>
+                    </a:p>
+                    <a:p>
+                      <a:r>
+                        <a:rPr lang="de-DE" sz="1600" dirty="0" smtClean="0"/>
+                        <a:t>€8,433 / Monat</a:t>
+                      </a:r>
+                      <a:endParaRPr lang="de-DE" sz="1600" dirty="0"/>
+                    </a:p>
+                  </a:txBody>
+                  <a:tcPr marL="93260" marR="93260" marT="46630" marB="46630"/>
+                </a:tc>
+                <a:tc>
+                  <a:txBody>
+                    <a:bodyPr/>
+                    <a:lstStyle/>
+                    <a:p>
+                      <a:r>
+                        <a:rPr lang="de-DE" sz="1600" dirty="0" smtClean="0"/>
+                        <a:t>€33,732</a:t>
+                      </a:r>
                       <a:endParaRPr lang="de-DE" sz="1600" dirty="0" smtClean="0"/>
                     </a:p>
                   </a:txBody>
@@ -20080,7 +20516,40 @@
                     <a:bodyPr/>
                     <a:lstStyle/>
                     <a:p>
-                      <a:endParaRPr lang="de-DE" sz="1600" dirty="0"/>
+                      <a:r>
+                        <a:rPr lang="de-DE" sz="1600" dirty="0" smtClean="0"/>
+                        <a:t>Speicher (GRS):</a:t>
+                      </a:r>
+                    </a:p>
+                    <a:p>
+                      <a:pPr marL="0" marR="0" indent="0" algn="l" defTabSz="932574" rtl="0" eaLnBrk="1" fontAlgn="auto" latinLnBrk="0" hangingPunct="1">
+                        <a:lnSpc>
+                          <a:spcPct val="100000"/>
+                        </a:lnSpc>
+                        <a:spcBef>
+                          <a:spcPts val="0"/>
+                        </a:spcBef>
+                        <a:spcAft>
+                          <a:spcPts val="0"/>
+                        </a:spcAft>
+                        <a:buClrTx/>
+                        <a:buSzTx/>
+                        <a:buFontTx/>
+                        <a:buNone/>
+                        <a:tabLst/>
+                        <a:defRPr/>
+                      </a:pPr>
+                      <a:r>
+                        <a:rPr lang="de-DE" sz="1600" dirty="0" smtClean="0"/>
+                        <a:t>€0,0405 / GB (Preisstufe bis 1 TB)</a:t>
+                      </a:r>
+                    </a:p>
+                    <a:p>
+                      <a:r>
+                        <a:rPr lang="de-DE" sz="1600" baseline="0" dirty="0" smtClean="0"/>
+                        <a:t>€0,0399 / GB (Preisstufe bis 50 TB)</a:t>
+                      </a:r>
+                      <a:endParaRPr lang="de-DE" sz="1600" dirty="0" smtClean="0"/>
                     </a:p>
                   </a:txBody>
                   <a:tcPr marL="93260" marR="93260" marT="46630" marB="46630"/>
@@ -20090,6 +20559,22 @@
                     <a:bodyPr/>
                     <a:lstStyle/>
                     <a:p>
+                      <a:r>
+                        <a:rPr lang="de-DE" sz="1600" dirty="0" smtClean="0"/>
+                        <a:t>€41,472</a:t>
+                      </a:r>
+                    </a:p>
+                    <a:p>
+                      <a:r>
+                        <a:rPr lang="de-DE" sz="1600" dirty="0" smtClean="0"/>
+                        <a:t>+ €40,8576</a:t>
+                      </a:r>
+                    </a:p>
+                    <a:p>
+                      <a:r>
+                        <a:rPr lang="de-DE" sz="1600" dirty="0" smtClean="0"/>
+                        <a:t>= 82,7152</a:t>
+                      </a:r>
                       <a:endParaRPr lang="de-DE" sz="1600" dirty="0" smtClean="0"/>
                     </a:p>
                   </a:txBody>
@@ -20123,11 +20608,7 @@
                     <a:p>
                       <a:r>
                         <a:rPr lang="de-DE" sz="1600" dirty="0" smtClean="0"/>
-                        <a:t>Unter</a:t>
-                      </a:r>
-                      <a:r>
-                        <a:rPr lang="de-DE" sz="1600" baseline="0" dirty="0" smtClean="0"/>
-                        <a:t> 5 GB</a:t>
+                        <a:t>Beliebig</a:t>
                       </a:r>
                       <a:endParaRPr lang="de-DE" sz="1600" dirty="0"/>
                     </a:p>
@@ -20141,11 +20622,7 @@
                     <a:p>
                       <a:r>
                         <a:rPr lang="de-DE" sz="1600" dirty="0" smtClean="0"/>
-                        <a:t>Unter 5 GB:</a:t>
-                      </a:r>
-                      <a:r>
-                        <a:rPr lang="de-DE" sz="1600" baseline="0" dirty="0" smtClean="0"/>
-                        <a:t> kostenlos</a:t>
+                        <a:t>kostenfrei</a:t>
                       </a:r>
                       <a:endParaRPr lang="de-DE" sz="1600" dirty="0"/>
                     </a:p>
@@ -20191,6 +20668,14 @@
                     <a:bodyPr/>
                     <a:lstStyle/>
                     <a:p>
+                      <a:r>
+                        <a:rPr lang="de-DE" sz="1600" b="1" dirty="0" smtClean="0"/>
+                        <a:t>4,35</a:t>
+                      </a:r>
+                      <a:r>
+                        <a:rPr lang="de-DE" sz="1600" b="1" baseline="0" dirty="0" smtClean="0"/>
+                        <a:t> TB</a:t>
+                      </a:r>
                       <a:endParaRPr lang="de-DE" sz="1600" b="1" dirty="0"/>
                     </a:p>
                   </a:txBody>
@@ -20213,7 +20698,7 @@
                     <a:p>
                       <a:r>
                         <a:rPr lang="de-DE" sz="1600" b="1" dirty="0" smtClean="0"/>
-                        <a:t>€5,456 für 10h</a:t>
+                        <a:t>€396,9319</a:t>
                       </a:r>
                     </a:p>
                   </a:txBody>
@@ -20274,92 +20759,35 @@
           <a:chExt cx="0" cy="0"/>
         </a:xfrm>
       </p:grpSpPr>
-      <p:sp>
-        <p:nvSpPr>
-          <p:cNvPr id="3" name="Titel 2"/>
-          <p:cNvSpPr>
-            <a:spLocks noGrp="1"/>
-          </p:cNvSpPr>
-          <p:nvPr>
-            <p:ph type="title"/>
-          </p:nvPr>
-        </p:nvSpPr>
-        <p:spPr/>
-        <p:txBody>
-          <a:bodyPr/>
-          <a:lstStyle/>
-          <a:p>
-            <a:r>
-              <a:rPr lang="de-DE" dirty="0" smtClean="0"/>
-              <a:t>Sicherheit</a:t>
-            </a:r>
-            <a:endParaRPr lang="de-DE" dirty="0"/>
-          </a:p>
-        </p:txBody>
-      </p:sp>
-      <p:sp>
-        <p:nvSpPr>
-          <p:cNvPr id="4" name="Inhaltsplatzhalter 3"/>
-          <p:cNvSpPr>
-            <a:spLocks noGrp="1"/>
-          </p:cNvSpPr>
-          <p:nvPr>
-            <p:ph sz="quarter" idx="12"/>
-          </p:nvPr>
-        </p:nvSpPr>
-        <p:spPr/>
-        <p:txBody>
-          <a:bodyPr/>
-          <a:lstStyle/>
-          <a:p>
-            <a:r>
-              <a:rPr lang="de-DE" dirty="0" smtClean="0"/>
-              <a:t>Datenschutz</a:t>
-            </a:r>
-          </a:p>
-          <a:p>
-            <a:r>
-              <a:rPr lang="de-DE" dirty="0" smtClean="0"/>
-              <a:t>Datensicherheit</a:t>
-            </a:r>
-          </a:p>
-          <a:p>
-            <a:r>
-              <a:rPr lang="de-DE" dirty="0" smtClean="0"/>
-              <a:t>Verschlüsselung</a:t>
-            </a:r>
-          </a:p>
-          <a:p>
-            <a:pPr lvl="1"/>
-            <a:r>
-              <a:rPr lang="de-DE" dirty="0" err="1" smtClean="0"/>
-              <a:t>CloudLink</a:t>
-            </a:r>
-            <a:r>
-              <a:rPr lang="de-DE" dirty="0" smtClean="0"/>
-              <a:t>, Azure </a:t>
-            </a:r>
-            <a:r>
-              <a:rPr lang="de-DE" dirty="0" err="1" smtClean="0"/>
-              <a:t>KeyVault</a:t>
-            </a:r>
-            <a:endParaRPr lang="de-DE" dirty="0"/>
-          </a:p>
-        </p:txBody>
-      </p:sp>
     </p:spTree>
     <p:extLst>
       <p:ext uri="{BB962C8B-B14F-4D97-AF65-F5344CB8AC3E}">
-        <p14:creationId xmlns:p14="http://schemas.microsoft.com/office/powerpoint/2010/main" val="2045040535"/>
+        <p14:creationId xmlns:p14="http://schemas.microsoft.com/office/powerpoint/2010/main" val="1169096581"/>
       </p:ext>
     </p:extLst>
   </p:cSld>
   <p:clrMapOvr>
     <a:masterClrMapping/>
   </p:clrMapOvr>
-  <p:transition>
-    <p:fade/>
-  </p:transition>
+  <mc:AlternateContent xmlns:mc="http://schemas.openxmlformats.org/markup-compatibility/2006" xmlns:p14="http://schemas.microsoft.com/office/powerpoint/2010/main">
+    <mc:Choice Requires="p14">
+      <p:transition spd="med" p14:dur="700">
+        <p:fade/>
+      </p:transition>
+    </mc:Choice>
+    <mc:Fallback xmlns="">
+      <p:transition spd="med">
+        <p:fade/>
+      </p:transition>
+    </mc:Fallback>
+  </mc:AlternateContent>
+  <p:timing>
+    <p:tnLst>
+      <p:par>
+        <p:cTn id="1" dur="indefinite" restart="never" nodeType="tmRoot"/>
+      </p:par>
+    </p:tnLst>
+  </p:timing>
 </p:sld>
 </file>
 
@@ -21176,277 +21604,8 @@
 </file>
 
 <file path=customXml/item1.xml><?xml version="1.0" encoding="utf-8"?>
-<p:properties xmlns:p="http://schemas.microsoft.com/office/2006/metadata/properties" xmlns:xsi="http://www.w3.org/2001/XMLSchema-instance" xmlns:pc="http://schemas.microsoft.com/office/infopath/2007/PartnerControls">
-  <documentManagement>
-    <DocumentDescription xmlns="4e240d41-6d38-4eac-9584-b3f543b50010">Use this deck as the main EBC and Azure Overview deck.  Customize the deck as needed (additional slides in the appendix).  This deck should be delivered with the supporting demo’s and is scoped at the decision makers within IT.</DocumentDescription>
-    <h1e7aaa5788c480c922636922fec8914 xmlns="4e240d41-6d38-4eac-9584-b3f543b50010">
-      <Terms xmlns="http://schemas.microsoft.com/office/infopath/2007/PartnerControls"/>
-    </h1e7aaa5788c480c922636922fec8914>
-    <AudiencesTaxHTField0 xmlns="4e240d41-6d38-4eac-9584-b3f543b50010">
-      <Terms xmlns="http://schemas.microsoft.com/office/infopath/2007/PartnerControls">
-        <TermInfo xmlns="http://schemas.microsoft.com/office/infopath/2007/PartnerControls">
-          <TermName xmlns="http://schemas.microsoft.com/office/infopath/2007/PartnerControls">business decision makers</TermName>
-          <TermId xmlns="http://schemas.microsoft.com/office/infopath/2007/PartnerControls">c5581652-6887-44c0-9e7e-d38ca54728bd</TermId>
-        </TermInfo>
-        <TermInfo xmlns="http://schemas.microsoft.com/office/infopath/2007/PartnerControls">
-          <TermName xmlns="http://schemas.microsoft.com/office/infopath/2007/PartnerControls">IT decision makers</TermName>
-          <TermId xmlns="http://schemas.microsoft.com/office/infopath/2007/PartnerControls">9b4e6e74-580c-4c34-b4d3-48674047e67e</TermId>
-        </TermInfo>
-      </Terms>
-    </AudiencesTaxHTField0>
-    <SegmentsTaxHTField0 xmlns="4e240d41-6d38-4eac-9584-b3f543b50010">
-      <Terms xmlns="http://schemas.microsoft.com/office/infopath/2007/PartnerControls"/>
-    </SegmentsTaxHTField0>
-    <Expire_x0020_Review xmlns="4e240d41-6d38-4eac-9584-b3f543b50010">2016-08-23T07:00:00+00:00</Expire_x0020_Review>
-    <TopicsTaxHTField0 xmlns="4e240d41-6d38-4eac-9584-b3f543b50010">
-      <Terms xmlns="http://schemas.microsoft.com/office/infopath/2007/PartnerControls">
-        <TermInfo xmlns="http://schemas.microsoft.com/office/infopath/2007/PartnerControls">
-          <TermName xmlns="http://schemas.microsoft.com/office/infopath/2007/PartnerControls">readiness</TermName>
-          <TermId xmlns="http://schemas.microsoft.com/office/infopath/2007/PartnerControls">0bad9107-5243-4424-8599-de9537dda9af</TermId>
-        </TermInfo>
-        <TermInfo xmlns="http://schemas.microsoft.com/office/infopath/2007/PartnerControls">
-          <TermName xmlns="http://schemas.microsoft.com/office/infopath/2007/PartnerControls">hub subset</TermName>
-          <TermId xmlns="http://schemas.microsoft.com/office/infopath/2007/PartnerControls">c6bfd112-b986-4a0a-aa8d-90e767bfdfa6</TermId>
-        </TermInfo>
-        <TermInfo xmlns="http://schemas.microsoft.com/office/infopath/2007/PartnerControls">
-          <TermName xmlns="http://schemas.microsoft.com/office/infopath/2007/PartnerControls">inside sales</TermName>
-          <TermId xmlns="http://schemas.microsoft.com/office/infopath/2007/PartnerControls">7c476b68-6f84-4a80-9930-2286afc962a8</TermId>
-        </TermInfo>
-      </Terms>
-    </TopicsTaxHTField0>
-    <_dlc_DocId xmlns="230e9df3-be65-4c73-a93b-d1236ebd677e">KC00-15-210934</_dlc_DocId>
-    <Thumbnail1 xmlns="4e240d41-6d38-4eac-9584-b3f543b50010">
-      <Url>http://infopedia/kc02/media/Thumbnails/Microsoft%20Azure%20Domain/KC00-15-107844/azure.PNG</Url>
-      <Description>/kc02/media/Thumbnails/Microsoft Azure Domain/KC00-15-107844/azure.PNG</Description>
-    </Thumbnail1>
-    <AverageRating xmlns="http://schemas.microsoft.com/sharepoint/v3" xsi:nil="true"/>
-    <TaxKeywordTaxHTField xmlns="230e9df3-be65-4c73-a93b-d1236ebd677e">
-      <Terms xmlns="http://schemas.microsoft.com/office/infopath/2007/PartnerControls"/>
-    </TaxKeywordTaxHTField>
-    <TagTemplate xmlns="4e240d41-6d38-4eac-9584-b3f543b50010" xsi:nil="true"/>
-    <PublishDate xmlns="4e240d41-6d38-4eac-9584-b3f543b50010" xsi:nil="true"/>
-    <DocumentSetKcId xmlns="7b813d5f-7206-4d46-95a5-a58185f478af">107844</DocumentSetKcId>
-    <RoutingRuleDescription xmlns="http://schemas.microsoft.com/sharepoint/v3" xsi:nil="true"/>
-    <CompetitorsTaxHTField0 xmlns="4e240d41-6d38-4eac-9584-b3f543b50010">
-      <Terms xmlns="http://schemas.microsoft.com/office/infopath/2007/PartnerControls"/>
-    </CompetitorsTaxHTField0>
-    <IconOverlay xmlns="http://schemas.microsoft.com/sharepoint/v4" xsi:nil="true"/>
-    <Owner xmlns="4e240d41-6d38-4eac-9584-b3f543b50010">
-      <UserInfo>
-        <DisplayName>Tony Meleg</DisplayName>
-        <AccountId>26501</AccountId>
-        <AccountType/>
-      </UserInfo>
-    </Owner>
-    <PublishingExpirationDate xmlns="http://schemas.microsoft.com/sharepoint/v3" xsi:nil="true"/>
-    <EnterpriseDomainTagsTaxHTField0 xmlns="4e240d41-6d38-4eac-9584-b3f543b50010">
-      <Terms xmlns="http://schemas.microsoft.com/office/infopath/2007/PartnerControls">
-        <TermInfo xmlns="http://schemas.microsoft.com/office/infopath/2007/PartnerControls">
-          <TermName xmlns="http://schemas.microsoft.com/office/infopath/2007/PartnerControls">SMSG Readiness</TermName>
-          <TermId xmlns="http://schemas.microsoft.com/office/infopath/2007/PartnerControls">c6595b84-b463-470a-bb46-2a47364645be</TermId>
-        </TermInfo>
-        <TermInfo xmlns="http://schemas.microsoft.com/office/infopath/2007/PartnerControls">
-          <TermName xmlns="http://schemas.microsoft.com/office/infopath/2007/PartnerControls">Cloud and Enterprise Marketing Group</TermName>
-          <TermId xmlns="http://schemas.microsoft.com/office/infopath/2007/PartnerControls">4f75e184-e5aa-4234-a07f-b032d60df254</TermId>
-        </TermInfo>
-      </Terms>
-    </EnterpriseDomainTagsTaxHTField0>
-    <IndustriesTaxHTField0 xmlns="4e240d41-6d38-4eac-9584-b3f543b50010">
-      <Terms xmlns="http://schemas.microsoft.com/office/infopath/2007/PartnerControls"/>
-    </IndustriesTaxHTField0>
-    <ConfidentialityTaxHTField0 xmlns="4e240d41-6d38-4eac-9584-b3f543b50010">
-      <Terms xmlns="http://schemas.microsoft.com/office/infopath/2007/PartnerControls">
-        <TermInfo xmlns="http://schemas.microsoft.com/office/infopath/2007/PartnerControls">
-          <TermName xmlns="http://schemas.microsoft.com/office/infopath/2007/PartnerControls">Microsoft confidential</TermName>
-          <TermId xmlns="http://schemas.microsoft.com/office/infopath/2007/PartnerControls">461efa83-0283-486a-a8d5-943328f3693f</TermId>
-        </TermInfo>
-      </Terms>
-    </ConfidentialityTaxHTField0>
-    <SMSGDomainTaxHTField0 xmlns="4e240d41-6d38-4eac-9584-b3f543b50010">
-      <Terms xmlns="http://schemas.microsoft.com/office/infopath/2007/PartnerControls">
-        <TermInfo xmlns="http://schemas.microsoft.com/office/infopath/2007/PartnerControls">
-          <TermName xmlns="http://schemas.microsoft.com/office/infopath/2007/PartnerControls">Microsoft Azure Domain</TermName>
-          <TermId xmlns="http://schemas.microsoft.com/office/infopath/2007/PartnerControls">d600a391-d529-4311-892b-2c05c1ab2538</TermId>
-        </TermInfo>
-        <TermInfo xmlns="http://schemas.microsoft.com/office/infopath/2007/PartnerControls">
-          <TermName xmlns="http://schemas.microsoft.com/office/infopath/2007/PartnerControls">Cloud and Enterprise</TermName>
-          <TermId xmlns="http://schemas.microsoft.com/office/infopath/2007/PartnerControls">adc2fe87-c79a-4ded-a449-3f86b954069d</TermId>
-        </TermInfo>
-        <TermInfo xmlns="http://schemas.microsoft.com/office/infopath/2007/PartnerControls">
-          <TermName xmlns="http://schemas.microsoft.com/office/infopath/2007/PartnerControls">Server and Tools Business</TermName>
-          <TermId xmlns="http://schemas.microsoft.com/office/infopath/2007/PartnerControls">6783548d-8609-4f97-be4a-4ca2616905a6</TermId>
-        </TermInfo>
-        <TermInfo xmlns="http://schemas.microsoft.com/office/infopath/2007/PartnerControls">
-          <TermName xmlns="http://schemas.microsoft.com/office/infopath/2007/PartnerControls">Sales, Marketing, Services Group</TermName>
-          <TermId xmlns="http://schemas.microsoft.com/office/infopath/2007/PartnerControls">ecda8836-afa0-40aa-878e-630e18c8fc5c</TermId>
-        </TermInfo>
-        <TermInfo xmlns="http://schemas.microsoft.com/office/infopath/2007/PartnerControls">
-          <TermName xmlns="http://schemas.microsoft.com/office/infopath/2007/PartnerControls">Telesales Domain</TermName>
-          <TermId xmlns="http://schemas.microsoft.com/office/infopath/2007/PartnerControls">04a5111f-c67b-4a6e-bf36-05714763ab37</TermId>
-        </TermInfo>
-        <TermInfo xmlns="http://schemas.microsoft.com/office/infopath/2007/PartnerControls">
-          <TermName xmlns="http://schemas.microsoft.com/office/infopath/2007/PartnerControls">China Market Domain</TermName>
-          <TermId xmlns="http://schemas.microsoft.com/office/infopath/2007/PartnerControls">01326006-a657-42bf-b23e-048a7db28273</TermId>
-        </TermInfo>
-      </Terms>
-    </SMSGDomainTaxHTField0>
-    <ItemTypeTaxHTField0 xmlns="4e240d41-6d38-4eac-9584-b3f543b50010">
-      <Terms xmlns="http://schemas.microsoft.com/office/infopath/2007/PartnerControls">
-        <TermInfo xmlns="http://schemas.microsoft.com/office/infopath/2007/PartnerControls">
-          <TermName xmlns="http://schemas.microsoft.com/office/infopath/2007/PartnerControls">customer presentations</TermName>
-          <TermId xmlns="http://schemas.microsoft.com/office/infopath/2007/PartnerControls">18e9ae94-e321-4eea-82d2-ad5b2f470f3c</TermId>
-        </TermInfo>
-      </Terms>
-    </ItemTypeTaxHTField0>
-    <_dlc_DocIdUrl xmlns="230e9df3-be65-4c73-a93b-d1236ebd677e">
-      <Url>http://infopedia/docstore/_layouts/DocIdRedir.aspx?ID=KC00-15-210934</Url>
-      <Description>KC00-15-210934</Description>
-    </_dlc_DocIdUrl>
-    <ProductsTaxHTField0 xmlns="4e240d41-6d38-4eac-9584-b3f543b50010">
-      <Terms xmlns="http://schemas.microsoft.com/office/infopath/2007/PartnerControls">
-        <TermInfo xmlns="http://schemas.microsoft.com/office/infopath/2007/PartnerControls">
-          <TermName xmlns="http://schemas.microsoft.com/office/infopath/2007/PartnerControls">Microsoft Azure platform</TermName>
-          <TermId xmlns="http://schemas.microsoft.com/office/infopath/2007/PartnerControls">df6aaec2-d07c-4319-b510-15a691aea35b</TermId>
-        </TermInfo>
-        <TermInfo xmlns="http://schemas.microsoft.com/office/infopath/2007/PartnerControls">
-          <TermName xmlns="http://schemas.microsoft.com/office/infopath/2007/PartnerControls">Microsoft Azure</TermName>
-          <TermId xmlns="http://schemas.microsoft.com/office/infopath/2007/PartnerControls">669a3112-5edf-444b-a003-630063601f07</TermId>
-        </TermInfo>
-      </Terms>
-    </ProductsTaxHTField0>
-    <RolesTaxHTField0 xmlns="4e240d41-6d38-4eac-9584-b3f543b50010">
-      <Terms xmlns="http://schemas.microsoft.com/office/infopath/2007/PartnerControls">
-        <TermInfo xmlns="http://schemas.microsoft.com/office/infopath/2007/PartnerControls">
-          <TermName xmlns="http://schemas.microsoft.com/office/infopath/2007/PartnerControls">Telesales Solution Specialist</TermName>
-          <TermId xmlns="http://schemas.microsoft.com/office/infopath/2007/PartnerControls">a293ec10-2fac-46ec-98ae-6149da09be06</TermId>
-        </TermInfo>
-        <TermInfo xmlns="http://schemas.microsoft.com/office/infopath/2007/PartnerControls">
-          <TermName xmlns="http://schemas.microsoft.com/office/infopath/2007/PartnerControls">Solution Sales</TermName>
-          <TermId xmlns="http://schemas.microsoft.com/office/infopath/2007/PartnerControls">170353c6-5135-48bf-b60a-c3b55ac67d1c</TermId>
-        </TermInfo>
-      </Terms>
-    </RolesTaxHTField0>
-    <PublishingPageContent xmlns="http://schemas.microsoft.com/sharepoint/v3" xsi:nil="true"/>
-    <fe32998799ba48dcafc127a14edc00fb xmlns="4e240d41-6d38-4eac-9584-b3f543b50010">
-      <Terms xmlns="http://schemas.microsoft.com/office/infopath/2007/PartnerControls"/>
-    </fe32998799ba48dcafc127a14edc00fb>
-    <RegionTaxHTField0 xmlns="4e240d41-6d38-4eac-9584-b3f543b50010">
-      <Terms xmlns="http://schemas.microsoft.com/office/infopath/2007/PartnerControls">
-        <TermInfo xmlns="http://schemas.microsoft.com/office/infopath/2007/PartnerControls">
-          <TermName xmlns="http://schemas.microsoft.com/office/infopath/2007/PartnerControls">China</TermName>
-          <TermId xmlns="http://schemas.microsoft.com/office/infopath/2007/PartnerControls">0f275d9d-9fcb-4bdb-9fdc-f425e5d35066</TermId>
-        </TermInfo>
-      </Terms>
-    </RegionTaxHTField0>
-    <GroupsTaxHTField0 xmlns="4e240d41-6d38-4eac-9584-b3f543b50010">
-      <Terms xmlns="http://schemas.microsoft.com/office/infopath/2007/PartnerControls">
-        <TermInfo xmlns="http://schemas.microsoft.com/office/infopath/2007/PartnerControls">
-          <TermName xmlns="http://schemas.microsoft.com/office/infopath/2007/PartnerControls">Microsoft Azure Marketing</TermName>
-          <TermId xmlns="http://schemas.microsoft.com/office/infopath/2007/PartnerControls">0958c357-5252-473f-8b4e-42f27525a99d</TermId>
-        </TermInfo>
-        <TermInfo xmlns="http://schemas.microsoft.com/office/infopath/2007/PartnerControls">
-          <TermName xmlns="http://schemas.microsoft.com/office/infopath/2007/PartnerControls">SMSG Readiness</TermName>
-          <TermId xmlns="http://schemas.microsoft.com/office/infopath/2007/PartnerControls">c6595b84-b463-470a-bb46-2a47364645be</TermId>
-        </TermInfo>
-        <TermInfo xmlns="http://schemas.microsoft.com/office/infopath/2007/PartnerControls">
-          <TermName xmlns="http://schemas.microsoft.com/office/infopath/2007/PartnerControls">Cloud and Enterprise Marketing Group</TermName>
-          <TermId xmlns="http://schemas.microsoft.com/office/infopath/2007/PartnerControls">4f75e184-e5aa-4234-a07f-b032d60df254</TermId>
-        </TermInfo>
-      </Terms>
-    </GroupsTaxHTField0>
-    <CoOwner xmlns="4e240d41-6d38-4eac-9584-b3f543b50010">
-      <UserInfo>
-        <DisplayName>i:0#.w|redmond\v-brisch</DisplayName>
-        <AccountId>39</AccountId>
-        <AccountType/>
-      </UserInfo>
-      <UserInfo>
-        <DisplayName>i:0#.w|redmond\meeryan</DisplayName>
-        <AccountId>44027</AccountId>
-        <AccountType/>
-      </UserInfo>
-      <UserInfo>
-        <DisplayName>i:0#.w|fareast\v-hesehg</DisplayName>
-        <AccountId>143284</AccountId>
-        <AccountType/>
-      </UserInfo>
-      <UserInfo>
-        <DisplayName>i:0#.w|redmond\chrisper</DisplayName>
-        <AccountId>38059</AccountId>
-        <AccountType/>
-      </UserInfo>
-      <UserInfo>
-        <DisplayName>i:0#.w|redmond\anushar</DisplayName>
-        <AccountId>22194</AccountId>
-        <AccountType/>
-      </UserInfo>
-      <UserInfo>
-        <DisplayName>i:0#.w|redmond\v-anmarv</DisplayName>
-        <AccountId>211331</AccountId>
-        <AccountType/>
-      </UserInfo>
-    </CoOwner>
-    <LanguagesTaxHTField0 xmlns="4e240d41-6d38-4eac-9584-b3f543b50010">
-      <Terms xmlns="http://schemas.microsoft.com/office/infopath/2007/PartnerControls">
-        <TermInfo xmlns="http://schemas.microsoft.com/office/infopath/2007/PartnerControls">
-          <TermName xmlns="http://schemas.microsoft.com/office/infopath/2007/PartnerControls">English</TermName>
-          <TermId xmlns="http://schemas.microsoft.com/office/infopath/2007/PartnerControls">cb91f272-ce4d-4a7e-9bbf-78b58e3d188d</TermId>
-        </TermInfo>
-      </Terms>
-    </LanguagesTaxHTField0>
-    <BusinessArchitectureTaxHTField0 xmlns="4e240d41-6d38-4eac-9584-b3f543b50010">
-      <Terms xmlns="http://schemas.microsoft.com/office/infopath/2007/PartnerControls">
-        <TermInfo xmlns="http://schemas.microsoft.com/office/infopath/2007/PartnerControls">
-          <TermName xmlns="http://schemas.microsoft.com/office/infopath/2007/PartnerControls">Cloud Platform (sales theme)</TermName>
-          <TermId xmlns="http://schemas.microsoft.com/office/infopath/2007/PartnerControls">ec248454-62d9-485e-995d-0cfad61f7f4c</TermId>
-        </TermInfo>
-      </Terms>
-    </BusinessArchitectureTaxHTField0>
-    <PartnersTaxHTField0 xmlns="4e240d41-6d38-4eac-9584-b3f543b50010">
-      <Terms xmlns="http://schemas.microsoft.com/office/infopath/2007/PartnerControls"/>
-    </PartnersTaxHTField0>
-    <ActivitiesAndProgramsTaxHTField0 xmlns="4e240d41-6d38-4eac-9584-b3f543b50010">
-      <Terms xmlns="http://schemas.microsoft.com/office/infopath/2007/PartnerControls">
-        <TermInfo xmlns="http://schemas.microsoft.com/office/infopath/2007/PartnerControls">
-          <TermName xmlns="http://schemas.microsoft.com/office/infopath/2007/PartnerControls">Executive Briefing Center</TermName>
-          <TermId xmlns="http://schemas.microsoft.com/office/infopath/2007/PartnerControls">f6f45d27-6c93-466a-8cd5-2846af886eb9</TermId>
-        </TermInfo>
-        <TermInfo xmlns="http://schemas.microsoft.com/office/infopath/2007/PartnerControls">
-          <TermName xmlns="http://schemas.microsoft.com/office/infopath/2007/PartnerControls">Worldwide Inside Sales Readiness</TermName>
-          <TermId xmlns="http://schemas.microsoft.com/office/infopath/2007/PartnerControls">3a4e01ea-907e-4f11-9b1b-2424e207e8d1</TermId>
-        </TermInfo>
-      </Terms>
-    </ActivitiesAndProgramsTaxHTField0>
-    <ApplyWorkflowRules xmlns="4e240d41-6d38-4eac-9584-b3f543b50010">Yes</ApplyWorkflowRules>
-    <TaxCatchAll xmlns="230e9df3-be65-4c73-a93b-d1236ebd677e">
-      <Value>20682</Value>
-      <Value>18422</Value>
-      <Value>13833</Value>
-      <Value>10205</Value>
-      <Value>10056</Value>
-      <Value>13755</Value>
-      <Value>20050</Value>
-      <Value>10052</Value>
-      <Value>18906</Value>
-      <Value>20557</Value>
-      <Value>21</Value>
-      <Value>14856</Value>
-      <Value>12938</Value>
-      <Value>18442</Value>
-      <Value>19685</Value>
-      <Value>10077</Value>
-      <Value>20954</Value>
-      <Value>17845</Value>
-      <Value>20730</Value>
-      <Value>19399</Value>
-      <Value>10849</Value>
-      <Value>10921</Value>
-      <Value>15579</Value>
-      <Value>17058</Value>
-      <Value>13172</Value>
-    </TaxCatchAll>
-  </documentManagement>
-</p:properties>
+<?mso-contentType ?>
+<SharedContentType xmlns="Microsoft.SharePoint.Taxonomy.ContentTypeSync" SourceId="e385fb40-52d4-4fae-9c5b-3e8ff8a5878e" ContentTypeId="0x010100FF1FAB0DEDE9AF4ABA57B67AF4A9F321" PreviousValue="false"/>
 </file>
 
 <file path=customXml/item2.xml><?xml version="1.0" encoding="utf-8"?>
@@ -21945,11 +22104,289 @@
 </file>
 
 <file path=customXml/item3.xml><?xml version="1.0" encoding="utf-8"?>
-<?mso-contentType ?>
-<SharedContentType xmlns="Microsoft.SharePoint.Taxonomy.ContentTypeSync" SourceId="e385fb40-52d4-4fae-9c5b-3e8ff8a5878e" ContentTypeId="0x010100FF1FAB0DEDE9AF4ABA57B67AF4A9F321" PreviousValue="false"/>
+<p:properties xmlns:p="http://schemas.microsoft.com/office/2006/metadata/properties" xmlns:xsi="http://www.w3.org/2001/XMLSchema-instance" xmlns:pc="http://schemas.microsoft.com/office/infopath/2007/PartnerControls">
+  <documentManagement>
+    <DocumentDescription xmlns="4e240d41-6d38-4eac-9584-b3f543b50010">Use this deck as the main EBC and Azure Overview deck.  Customize the deck as needed (additional slides in the appendix).  This deck should be delivered with the supporting demo’s and is scoped at the decision makers within IT.</DocumentDescription>
+    <h1e7aaa5788c480c922636922fec8914 xmlns="4e240d41-6d38-4eac-9584-b3f543b50010">
+      <Terms xmlns="http://schemas.microsoft.com/office/infopath/2007/PartnerControls"/>
+    </h1e7aaa5788c480c922636922fec8914>
+    <AudiencesTaxHTField0 xmlns="4e240d41-6d38-4eac-9584-b3f543b50010">
+      <Terms xmlns="http://schemas.microsoft.com/office/infopath/2007/PartnerControls">
+        <TermInfo xmlns="http://schemas.microsoft.com/office/infopath/2007/PartnerControls">
+          <TermName xmlns="http://schemas.microsoft.com/office/infopath/2007/PartnerControls">business decision makers</TermName>
+          <TermId xmlns="http://schemas.microsoft.com/office/infopath/2007/PartnerControls">c5581652-6887-44c0-9e7e-d38ca54728bd</TermId>
+        </TermInfo>
+        <TermInfo xmlns="http://schemas.microsoft.com/office/infopath/2007/PartnerControls">
+          <TermName xmlns="http://schemas.microsoft.com/office/infopath/2007/PartnerControls">IT decision makers</TermName>
+          <TermId xmlns="http://schemas.microsoft.com/office/infopath/2007/PartnerControls">9b4e6e74-580c-4c34-b4d3-48674047e67e</TermId>
+        </TermInfo>
+      </Terms>
+    </AudiencesTaxHTField0>
+    <SegmentsTaxHTField0 xmlns="4e240d41-6d38-4eac-9584-b3f543b50010">
+      <Terms xmlns="http://schemas.microsoft.com/office/infopath/2007/PartnerControls"/>
+    </SegmentsTaxHTField0>
+    <Expire_x0020_Review xmlns="4e240d41-6d38-4eac-9584-b3f543b50010">2016-08-23T07:00:00+00:00</Expire_x0020_Review>
+    <TopicsTaxHTField0 xmlns="4e240d41-6d38-4eac-9584-b3f543b50010">
+      <Terms xmlns="http://schemas.microsoft.com/office/infopath/2007/PartnerControls">
+        <TermInfo xmlns="http://schemas.microsoft.com/office/infopath/2007/PartnerControls">
+          <TermName xmlns="http://schemas.microsoft.com/office/infopath/2007/PartnerControls">readiness</TermName>
+          <TermId xmlns="http://schemas.microsoft.com/office/infopath/2007/PartnerControls">0bad9107-5243-4424-8599-de9537dda9af</TermId>
+        </TermInfo>
+        <TermInfo xmlns="http://schemas.microsoft.com/office/infopath/2007/PartnerControls">
+          <TermName xmlns="http://schemas.microsoft.com/office/infopath/2007/PartnerControls">hub subset</TermName>
+          <TermId xmlns="http://schemas.microsoft.com/office/infopath/2007/PartnerControls">c6bfd112-b986-4a0a-aa8d-90e767bfdfa6</TermId>
+        </TermInfo>
+        <TermInfo xmlns="http://schemas.microsoft.com/office/infopath/2007/PartnerControls">
+          <TermName xmlns="http://schemas.microsoft.com/office/infopath/2007/PartnerControls">inside sales</TermName>
+          <TermId xmlns="http://schemas.microsoft.com/office/infopath/2007/PartnerControls">7c476b68-6f84-4a80-9930-2286afc962a8</TermId>
+        </TermInfo>
+      </Terms>
+    </TopicsTaxHTField0>
+    <_dlc_DocId xmlns="230e9df3-be65-4c73-a93b-d1236ebd677e">KC00-15-210934</_dlc_DocId>
+    <Thumbnail1 xmlns="4e240d41-6d38-4eac-9584-b3f543b50010">
+      <Url>http://infopedia/kc02/media/Thumbnails/Microsoft%20Azure%20Domain/KC00-15-107844/azure.PNG</Url>
+      <Description>/kc02/media/Thumbnails/Microsoft Azure Domain/KC00-15-107844/azure.PNG</Description>
+    </Thumbnail1>
+    <AverageRating xmlns="http://schemas.microsoft.com/sharepoint/v3" xsi:nil="true"/>
+    <TaxKeywordTaxHTField xmlns="230e9df3-be65-4c73-a93b-d1236ebd677e">
+      <Terms xmlns="http://schemas.microsoft.com/office/infopath/2007/PartnerControls"/>
+    </TaxKeywordTaxHTField>
+    <TagTemplate xmlns="4e240d41-6d38-4eac-9584-b3f543b50010" xsi:nil="true"/>
+    <PublishDate xmlns="4e240d41-6d38-4eac-9584-b3f543b50010" xsi:nil="true"/>
+    <DocumentSetKcId xmlns="7b813d5f-7206-4d46-95a5-a58185f478af">107844</DocumentSetKcId>
+    <RoutingRuleDescription xmlns="http://schemas.microsoft.com/sharepoint/v3" xsi:nil="true"/>
+    <CompetitorsTaxHTField0 xmlns="4e240d41-6d38-4eac-9584-b3f543b50010">
+      <Terms xmlns="http://schemas.microsoft.com/office/infopath/2007/PartnerControls"/>
+    </CompetitorsTaxHTField0>
+    <IconOverlay xmlns="http://schemas.microsoft.com/sharepoint/v4" xsi:nil="true"/>
+    <Owner xmlns="4e240d41-6d38-4eac-9584-b3f543b50010">
+      <UserInfo>
+        <DisplayName>Tony Meleg</DisplayName>
+        <AccountId>26501</AccountId>
+        <AccountType/>
+      </UserInfo>
+    </Owner>
+    <PublishingExpirationDate xmlns="http://schemas.microsoft.com/sharepoint/v3" xsi:nil="true"/>
+    <EnterpriseDomainTagsTaxHTField0 xmlns="4e240d41-6d38-4eac-9584-b3f543b50010">
+      <Terms xmlns="http://schemas.microsoft.com/office/infopath/2007/PartnerControls">
+        <TermInfo xmlns="http://schemas.microsoft.com/office/infopath/2007/PartnerControls">
+          <TermName xmlns="http://schemas.microsoft.com/office/infopath/2007/PartnerControls">SMSG Readiness</TermName>
+          <TermId xmlns="http://schemas.microsoft.com/office/infopath/2007/PartnerControls">c6595b84-b463-470a-bb46-2a47364645be</TermId>
+        </TermInfo>
+        <TermInfo xmlns="http://schemas.microsoft.com/office/infopath/2007/PartnerControls">
+          <TermName xmlns="http://schemas.microsoft.com/office/infopath/2007/PartnerControls">Cloud and Enterprise Marketing Group</TermName>
+          <TermId xmlns="http://schemas.microsoft.com/office/infopath/2007/PartnerControls">4f75e184-e5aa-4234-a07f-b032d60df254</TermId>
+        </TermInfo>
+      </Terms>
+    </EnterpriseDomainTagsTaxHTField0>
+    <IndustriesTaxHTField0 xmlns="4e240d41-6d38-4eac-9584-b3f543b50010">
+      <Terms xmlns="http://schemas.microsoft.com/office/infopath/2007/PartnerControls"/>
+    </IndustriesTaxHTField0>
+    <ConfidentialityTaxHTField0 xmlns="4e240d41-6d38-4eac-9584-b3f543b50010">
+      <Terms xmlns="http://schemas.microsoft.com/office/infopath/2007/PartnerControls">
+        <TermInfo xmlns="http://schemas.microsoft.com/office/infopath/2007/PartnerControls">
+          <TermName xmlns="http://schemas.microsoft.com/office/infopath/2007/PartnerControls">Microsoft confidential</TermName>
+          <TermId xmlns="http://schemas.microsoft.com/office/infopath/2007/PartnerControls">461efa83-0283-486a-a8d5-943328f3693f</TermId>
+        </TermInfo>
+      </Terms>
+    </ConfidentialityTaxHTField0>
+    <SMSGDomainTaxHTField0 xmlns="4e240d41-6d38-4eac-9584-b3f543b50010">
+      <Terms xmlns="http://schemas.microsoft.com/office/infopath/2007/PartnerControls">
+        <TermInfo xmlns="http://schemas.microsoft.com/office/infopath/2007/PartnerControls">
+          <TermName xmlns="http://schemas.microsoft.com/office/infopath/2007/PartnerControls">Microsoft Azure Domain</TermName>
+          <TermId xmlns="http://schemas.microsoft.com/office/infopath/2007/PartnerControls">d600a391-d529-4311-892b-2c05c1ab2538</TermId>
+        </TermInfo>
+        <TermInfo xmlns="http://schemas.microsoft.com/office/infopath/2007/PartnerControls">
+          <TermName xmlns="http://schemas.microsoft.com/office/infopath/2007/PartnerControls">Cloud and Enterprise</TermName>
+          <TermId xmlns="http://schemas.microsoft.com/office/infopath/2007/PartnerControls">adc2fe87-c79a-4ded-a449-3f86b954069d</TermId>
+        </TermInfo>
+        <TermInfo xmlns="http://schemas.microsoft.com/office/infopath/2007/PartnerControls">
+          <TermName xmlns="http://schemas.microsoft.com/office/infopath/2007/PartnerControls">Server and Tools Business</TermName>
+          <TermId xmlns="http://schemas.microsoft.com/office/infopath/2007/PartnerControls">6783548d-8609-4f97-be4a-4ca2616905a6</TermId>
+        </TermInfo>
+        <TermInfo xmlns="http://schemas.microsoft.com/office/infopath/2007/PartnerControls">
+          <TermName xmlns="http://schemas.microsoft.com/office/infopath/2007/PartnerControls">Sales, Marketing, Services Group</TermName>
+          <TermId xmlns="http://schemas.microsoft.com/office/infopath/2007/PartnerControls">ecda8836-afa0-40aa-878e-630e18c8fc5c</TermId>
+        </TermInfo>
+        <TermInfo xmlns="http://schemas.microsoft.com/office/infopath/2007/PartnerControls">
+          <TermName xmlns="http://schemas.microsoft.com/office/infopath/2007/PartnerControls">Telesales Domain</TermName>
+          <TermId xmlns="http://schemas.microsoft.com/office/infopath/2007/PartnerControls">04a5111f-c67b-4a6e-bf36-05714763ab37</TermId>
+        </TermInfo>
+        <TermInfo xmlns="http://schemas.microsoft.com/office/infopath/2007/PartnerControls">
+          <TermName xmlns="http://schemas.microsoft.com/office/infopath/2007/PartnerControls">China Market Domain</TermName>
+          <TermId xmlns="http://schemas.microsoft.com/office/infopath/2007/PartnerControls">01326006-a657-42bf-b23e-048a7db28273</TermId>
+        </TermInfo>
+      </Terms>
+    </SMSGDomainTaxHTField0>
+    <ItemTypeTaxHTField0 xmlns="4e240d41-6d38-4eac-9584-b3f543b50010">
+      <Terms xmlns="http://schemas.microsoft.com/office/infopath/2007/PartnerControls">
+        <TermInfo xmlns="http://schemas.microsoft.com/office/infopath/2007/PartnerControls">
+          <TermName xmlns="http://schemas.microsoft.com/office/infopath/2007/PartnerControls">customer presentations</TermName>
+          <TermId xmlns="http://schemas.microsoft.com/office/infopath/2007/PartnerControls">18e9ae94-e321-4eea-82d2-ad5b2f470f3c</TermId>
+        </TermInfo>
+      </Terms>
+    </ItemTypeTaxHTField0>
+    <_dlc_DocIdUrl xmlns="230e9df3-be65-4c73-a93b-d1236ebd677e">
+      <Url>http://infopedia/docstore/_layouts/DocIdRedir.aspx?ID=KC00-15-210934</Url>
+      <Description>KC00-15-210934</Description>
+    </_dlc_DocIdUrl>
+    <ProductsTaxHTField0 xmlns="4e240d41-6d38-4eac-9584-b3f543b50010">
+      <Terms xmlns="http://schemas.microsoft.com/office/infopath/2007/PartnerControls">
+        <TermInfo xmlns="http://schemas.microsoft.com/office/infopath/2007/PartnerControls">
+          <TermName xmlns="http://schemas.microsoft.com/office/infopath/2007/PartnerControls">Microsoft Azure platform</TermName>
+          <TermId xmlns="http://schemas.microsoft.com/office/infopath/2007/PartnerControls">df6aaec2-d07c-4319-b510-15a691aea35b</TermId>
+        </TermInfo>
+        <TermInfo xmlns="http://schemas.microsoft.com/office/infopath/2007/PartnerControls">
+          <TermName xmlns="http://schemas.microsoft.com/office/infopath/2007/PartnerControls">Microsoft Azure</TermName>
+          <TermId xmlns="http://schemas.microsoft.com/office/infopath/2007/PartnerControls">669a3112-5edf-444b-a003-630063601f07</TermId>
+        </TermInfo>
+      </Terms>
+    </ProductsTaxHTField0>
+    <RolesTaxHTField0 xmlns="4e240d41-6d38-4eac-9584-b3f543b50010">
+      <Terms xmlns="http://schemas.microsoft.com/office/infopath/2007/PartnerControls">
+        <TermInfo xmlns="http://schemas.microsoft.com/office/infopath/2007/PartnerControls">
+          <TermName xmlns="http://schemas.microsoft.com/office/infopath/2007/PartnerControls">Telesales Solution Specialist</TermName>
+          <TermId xmlns="http://schemas.microsoft.com/office/infopath/2007/PartnerControls">a293ec10-2fac-46ec-98ae-6149da09be06</TermId>
+        </TermInfo>
+        <TermInfo xmlns="http://schemas.microsoft.com/office/infopath/2007/PartnerControls">
+          <TermName xmlns="http://schemas.microsoft.com/office/infopath/2007/PartnerControls">Solution Sales</TermName>
+          <TermId xmlns="http://schemas.microsoft.com/office/infopath/2007/PartnerControls">170353c6-5135-48bf-b60a-c3b55ac67d1c</TermId>
+        </TermInfo>
+      </Terms>
+    </RolesTaxHTField0>
+    <PublishingPageContent xmlns="http://schemas.microsoft.com/sharepoint/v3" xsi:nil="true"/>
+    <fe32998799ba48dcafc127a14edc00fb xmlns="4e240d41-6d38-4eac-9584-b3f543b50010">
+      <Terms xmlns="http://schemas.microsoft.com/office/infopath/2007/PartnerControls"/>
+    </fe32998799ba48dcafc127a14edc00fb>
+    <RegionTaxHTField0 xmlns="4e240d41-6d38-4eac-9584-b3f543b50010">
+      <Terms xmlns="http://schemas.microsoft.com/office/infopath/2007/PartnerControls">
+        <TermInfo xmlns="http://schemas.microsoft.com/office/infopath/2007/PartnerControls">
+          <TermName xmlns="http://schemas.microsoft.com/office/infopath/2007/PartnerControls">China</TermName>
+          <TermId xmlns="http://schemas.microsoft.com/office/infopath/2007/PartnerControls">0f275d9d-9fcb-4bdb-9fdc-f425e5d35066</TermId>
+        </TermInfo>
+      </Terms>
+    </RegionTaxHTField0>
+    <GroupsTaxHTField0 xmlns="4e240d41-6d38-4eac-9584-b3f543b50010">
+      <Terms xmlns="http://schemas.microsoft.com/office/infopath/2007/PartnerControls">
+        <TermInfo xmlns="http://schemas.microsoft.com/office/infopath/2007/PartnerControls">
+          <TermName xmlns="http://schemas.microsoft.com/office/infopath/2007/PartnerControls">Microsoft Azure Marketing</TermName>
+          <TermId xmlns="http://schemas.microsoft.com/office/infopath/2007/PartnerControls">0958c357-5252-473f-8b4e-42f27525a99d</TermId>
+        </TermInfo>
+        <TermInfo xmlns="http://schemas.microsoft.com/office/infopath/2007/PartnerControls">
+          <TermName xmlns="http://schemas.microsoft.com/office/infopath/2007/PartnerControls">SMSG Readiness</TermName>
+          <TermId xmlns="http://schemas.microsoft.com/office/infopath/2007/PartnerControls">c6595b84-b463-470a-bb46-2a47364645be</TermId>
+        </TermInfo>
+        <TermInfo xmlns="http://schemas.microsoft.com/office/infopath/2007/PartnerControls">
+          <TermName xmlns="http://schemas.microsoft.com/office/infopath/2007/PartnerControls">Cloud and Enterprise Marketing Group</TermName>
+          <TermId xmlns="http://schemas.microsoft.com/office/infopath/2007/PartnerControls">4f75e184-e5aa-4234-a07f-b032d60df254</TermId>
+        </TermInfo>
+      </Terms>
+    </GroupsTaxHTField0>
+    <CoOwner xmlns="4e240d41-6d38-4eac-9584-b3f543b50010">
+      <UserInfo>
+        <DisplayName>i:0#.w|redmond\v-brisch</DisplayName>
+        <AccountId>39</AccountId>
+        <AccountType/>
+      </UserInfo>
+      <UserInfo>
+        <DisplayName>i:0#.w|redmond\meeryan</DisplayName>
+        <AccountId>44027</AccountId>
+        <AccountType/>
+      </UserInfo>
+      <UserInfo>
+        <DisplayName>i:0#.w|fareast\v-hesehg</DisplayName>
+        <AccountId>143284</AccountId>
+        <AccountType/>
+      </UserInfo>
+      <UserInfo>
+        <DisplayName>i:0#.w|redmond\chrisper</DisplayName>
+        <AccountId>38059</AccountId>
+        <AccountType/>
+      </UserInfo>
+      <UserInfo>
+        <DisplayName>i:0#.w|redmond\anushar</DisplayName>
+        <AccountId>22194</AccountId>
+        <AccountType/>
+      </UserInfo>
+      <UserInfo>
+        <DisplayName>i:0#.w|redmond\v-anmarv</DisplayName>
+        <AccountId>211331</AccountId>
+        <AccountType/>
+      </UserInfo>
+    </CoOwner>
+    <LanguagesTaxHTField0 xmlns="4e240d41-6d38-4eac-9584-b3f543b50010">
+      <Terms xmlns="http://schemas.microsoft.com/office/infopath/2007/PartnerControls">
+        <TermInfo xmlns="http://schemas.microsoft.com/office/infopath/2007/PartnerControls">
+          <TermName xmlns="http://schemas.microsoft.com/office/infopath/2007/PartnerControls">English</TermName>
+          <TermId xmlns="http://schemas.microsoft.com/office/infopath/2007/PartnerControls">cb91f272-ce4d-4a7e-9bbf-78b58e3d188d</TermId>
+        </TermInfo>
+      </Terms>
+    </LanguagesTaxHTField0>
+    <BusinessArchitectureTaxHTField0 xmlns="4e240d41-6d38-4eac-9584-b3f543b50010">
+      <Terms xmlns="http://schemas.microsoft.com/office/infopath/2007/PartnerControls">
+        <TermInfo xmlns="http://schemas.microsoft.com/office/infopath/2007/PartnerControls">
+          <TermName xmlns="http://schemas.microsoft.com/office/infopath/2007/PartnerControls">Cloud Platform (sales theme)</TermName>
+          <TermId xmlns="http://schemas.microsoft.com/office/infopath/2007/PartnerControls">ec248454-62d9-485e-995d-0cfad61f7f4c</TermId>
+        </TermInfo>
+      </Terms>
+    </BusinessArchitectureTaxHTField0>
+    <PartnersTaxHTField0 xmlns="4e240d41-6d38-4eac-9584-b3f543b50010">
+      <Terms xmlns="http://schemas.microsoft.com/office/infopath/2007/PartnerControls"/>
+    </PartnersTaxHTField0>
+    <ActivitiesAndProgramsTaxHTField0 xmlns="4e240d41-6d38-4eac-9584-b3f543b50010">
+      <Terms xmlns="http://schemas.microsoft.com/office/infopath/2007/PartnerControls">
+        <TermInfo xmlns="http://schemas.microsoft.com/office/infopath/2007/PartnerControls">
+          <TermName xmlns="http://schemas.microsoft.com/office/infopath/2007/PartnerControls">Executive Briefing Center</TermName>
+          <TermId xmlns="http://schemas.microsoft.com/office/infopath/2007/PartnerControls">f6f45d27-6c93-466a-8cd5-2846af886eb9</TermId>
+        </TermInfo>
+        <TermInfo xmlns="http://schemas.microsoft.com/office/infopath/2007/PartnerControls">
+          <TermName xmlns="http://schemas.microsoft.com/office/infopath/2007/PartnerControls">Worldwide Inside Sales Readiness</TermName>
+          <TermId xmlns="http://schemas.microsoft.com/office/infopath/2007/PartnerControls">3a4e01ea-907e-4f11-9b1b-2424e207e8d1</TermId>
+        </TermInfo>
+      </Terms>
+    </ActivitiesAndProgramsTaxHTField0>
+    <ApplyWorkflowRules xmlns="4e240d41-6d38-4eac-9584-b3f543b50010">Yes</ApplyWorkflowRules>
+    <TaxCatchAll xmlns="230e9df3-be65-4c73-a93b-d1236ebd677e">
+      <Value>20682</Value>
+      <Value>18422</Value>
+      <Value>13833</Value>
+      <Value>10205</Value>
+      <Value>10056</Value>
+      <Value>13755</Value>
+      <Value>20050</Value>
+      <Value>10052</Value>
+      <Value>18906</Value>
+      <Value>20557</Value>
+      <Value>21</Value>
+      <Value>14856</Value>
+      <Value>12938</Value>
+      <Value>18442</Value>
+      <Value>19685</Value>
+      <Value>10077</Value>
+      <Value>20954</Value>
+      <Value>17845</Value>
+      <Value>20730</Value>
+      <Value>19399</Value>
+      <Value>10849</Value>
+      <Value>10921</Value>
+      <Value>15579</Value>
+      <Value>17058</Value>
+      <Value>13172</Value>
+    </TaxCatchAll>
+  </documentManagement>
+</p:properties>
 </file>
 
 <file path=customXml/item4.xml><?xml version="1.0" encoding="utf-8"?>
+<?mso-contentType ?>
+<FormTemplates xmlns="http://schemas.microsoft.com/sharepoint/v3/contenttype/forms">
+  <Display>DocumentLibraryForm</Display>
+  <Edit>DocumentLibraryForm</Edit>
+  <New>DocumentLibraryForm</New>
+</FormTemplates>
+</file>
+
+<file path=customXml/item5.xml><?xml version="1.0" encoding="utf-8"?>
 <?mso-contentType ?>
 <spe:Receivers xmlns:spe="http://schemas.microsoft.com/sharepoint/events">
   <Receiver>
@@ -22005,31 +22442,10 @@
 </spe:Receivers>
 </file>
 
-<file path=customXml/item5.xml><?xml version="1.0" encoding="utf-8"?>
-<?mso-contentType ?>
-<FormTemplates xmlns="http://schemas.microsoft.com/sharepoint/v3/contenttype/forms">
-  <Display>DocumentLibraryForm</Display>
-  <Edit>DocumentLibraryForm</Edit>
-  <New>DocumentLibraryForm</New>
-</FormTemplates>
-</file>
-
 <file path=customXml/itemProps1.xml><?xml version="1.0" encoding="utf-8"?>
-<ds:datastoreItem xmlns:ds="http://schemas.openxmlformats.org/officeDocument/2006/customXml" ds:itemID="{14D87765-BD76-43B8-A7B8-9DBD5B7B4763}">
+<ds:datastoreItem xmlns:ds="http://schemas.openxmlformats.org/officeDocument/2006/customXml" ds:itemID="{C12AFFCC-E1DC-4673-B786-3C88E30A3D8E}">
   <ds:schemaRefs>
-    <ds:schemaRef ds:uri="230e9df3-be65-4c73-a93b-d1236ebd677e"/>
-    <ds:schemaRef ds:uri="http://purl.org/dc/elements/1.1/"/>
-    <ds:schemaRef ds:uri="http://schemas.microsoft.com/office/2006/metadata/properties"/>
-    <ds:schemaRef ds:uri="7b813d5f-7206-4d46-95a5-a58185f478af"/>
-    <ds:schemaRef ds:uri="http://schemas.microsoft.com/office/infopath/2007/PartnerControls"/>
-    <ds:schemaRef ds:uri="http://purl.org/dc/terms/"/>
-    <ds:schemaRef ds:uri="4e240d41-6d38-4eac-9584-b3f543b50010"/>
-    <ds:schemaRef ds:uri="http://schemas.openxmlformats.org/package/2006/metadata/core-properties"/>
-    <ds:schemaRef ds:uri="http://schemas.microsoft.com/office/2006/documentManagement/types"/>
-    <ds:schemaRef ds:uri="http://schemas.microsoft.com/sharepoint/v4"/>
-    <ds:schemaRef ds:uri="http://schemas.microsoft.com/sharepoint/v3"/>
-    <ds:schemaRef ds:uri="http://www.w3.org/XML/1998/namespace"/>
-    <ds:schemaRef ds:uri="http://purl.org/dc/dcmitype/"/>
+    <ds:schemaRef ds:uri="Microsoft.SharePoint.Taxonomy.ContentTypeSync"/>
   </ds:schemaRefs>
 </ds:datastoreItem>
 </file>
@@ -22057,25 +22473,37 @@
 </file>
 
 <file path=customXml/itemProps3.xml><?xml version="1.0" encoding="utf-8"?>
-<ds:datastoreItem xmlns:ds="http://schemas.openxmlformats.org/officeDocument/2006/customXml" ds:itemID="{C12AFFCC-E1DC-4673-B786-3C88E30A3D8E}">
+<ds:datastoreItem xmlns:ds="http://schemas.openxmlformats.org/officeDocument/2006/customXml" ds:itemID="{14D87765-BD76-43B8-A7B8-9DBD5B7B4763}">
   <ds:schemaRefs>
-    <ds:schemaRef ds:uri="Microsoft.SharePoint.Taxonomy.ContentTypeSync"/>
+    <ds:schemaRef ds:uri="230e9df3-be65-4c73-a93b-d1236ebd677e"/>
+    <ds:schemaRef ds:uri="http://purl.org/dc/elements/1.1/"/>
+    <ds:schemaRef ds:uri="http://schemas.microsoft.com/office/2006/metadata/properties"/>
+    <ds:schemaRef ds:uri="7b813d5f-7206-4d46-95a5-a58185f478af"/>
+    <ds:schemaRef ds:uri="http://schemas.microsoft.com/office/infopath/2007/PartnerControls"/>
+    <ds:schemaRef ds:uri="http://purl.org/dc/terms/"/>
+    <ds:schemaRef ds:uri="4e240d41-6d38-4eac-9584-b3f543b50010"/>
+    <ds:schemaRef ds:uri="http://schemas.openxmlformats.org/package/2006/metadata/core-properties"/>
+    <ds:schemaRef ds:uri="http://schemas.microsoft.com/office/2006/documentManagement/types"/>
+    <ds:schemaRef ds:uri="http://schemas.microsoft.com/sharepoint/v4"/>
+    <ds:schemaRef ds:uri="http://schemas.microsoft.com/sharepoint/v3"/>
+    <ds:schemaRef ds:uri="http://www.w3.org/XML/1998/namespace"/>
+    <ds:schemaRef ds:uri="http://purl.org/dc/dcmitype/"/>
   </ds:schemaRefs>
 </ds:datastoreItem>
 </file>
 
 <file path=customXml/itemProps4.xml><?xml version="1.0" encoding="utf-8"?>
+<ds:datastoreItem xmlns:ds="http://schemas.openxmlformats.org/officeDocument/2006/customXml" ds:itemID="{637CE760-3C25-48EA-9D92-DCD8CAA51C39}">
+  <ds:schemaRefs>
+    <ds:schemaRef ds:uri="http://schemas.microsoft.com/sharepoint/v3/contenttype/forms"/>
+  </ds:schemaRefs>
+</ds:datastoreItem>
+</file>
+
+<file path=customXml/itemProps5.xml><?xml version="1.0" encoding="utf-8"?>
 <ds:datastoreItem xmlns:ds="http://schemas.openxmlformats.org/officeDocument/2006/customXml" ds:itemID="{E5FD8E07-4E68-4E3F-96BD-4FFA3AC81A1B}">
   <ds:schemaRefs>
     <ds:schemaRef ds:uri="http://schemas.microsoft.com/sharepoint/events"/>
   </ds:schemaRefs>
 </ds:datastoreItem>
-</file>
-
-<file path=customXml/itemProps5.xml><?xml version="1.0" encoding="utf-8"?>
-<ds:datastoreItem xmlns:ds="http://schemas.openxmlformats.org/officeDocument/2006/customXml" ds:itemID="{637CE760-3C25-48EA-9D92-DCD8CAA51C39}">
-  <ds:schemaRefs>
-    <ds:schemaRef ds:uri="http://schemas.microsoft.com/sharepoint/v3/contenttype/forms"/>
-  </ds:schemaRefs>
-</ds:datastoreItem>
 </file>